--- a/images/arch.pptx
+++ b/images/arch.pptx
@@ -263,7 +263,7 @@
           <a:p>
             <a:fld id="{9B8BF3A6-371B-484F-AA08-EE827C6B5646}" type="datetimeFigureOut">
               <a:rPr lang="en-US" smtClean="0"/>
-              <a:t>8/22/2017</a:t>
+              <a:t>8/24/2017</a:t>
             </a:fld>
             <a:endParaRPr lang="en-US"/>
           </a:p>
@@ -461,7 +461,7 @@
           <a:p>
             <a:fld id="{9B8BF3A6-371B-484F-AA08-EE827C6B5646}" type="datetimeFigureOut">
               <a:rPr lang="en-US" smtClean="0"/>
-              <a:t>8/22/2017</a:t>
+              <a:t>8/24/2017</a:t>
             </a:fld>
             <a:endParaRPr lang="en-US"/>
           </a:p>
@@ -669,7 +669,7 @@
           <a:p>
             <a:fld id="{9B8BF3A6-371B-484F-AA08-EE827C6B5646}" type="datetimeFigureOut">
               <a:rPr lang="en-US" smtClean="0"/>
-              <a:t>8/22/2017</a:t>
+              <a:t>8/24/2017</a:t>
             </a:fld>
             <a:endParaRPr lang="en-US"/>
           </a:p>
@@ -867,7 +867,7 @@
           <a:p>
             <a:fld id="{9B8BF3A6-371B-484F-AA08-EE827C6B5646}" type="datetimeFigureOut">
               <a:rPr lang="en-US" smtClean="0"/>
-              <a:t>8/22/2017</a:t>
+              <a:t>8/24/2017</a:t>
             </a:fld>
             <a:endParaRPr lang="en-US"/>
           </a:p>
@@ -1142,7 +1142,7 @@
           <a:p>
             <a:fld id="{9B8BF3A6-371B-484F-AA08-EE827C6B5646}" type="datetimeFigureOut">
               <a:rPr lang="en-US" smtClean="0"/>
-              <a:t>8/22/2017</a:t>
+              <a:t>8/24/2017</a:t>
             </a:fld>
             <a:endParaRPr lang="en-US"/>
           </a:p>
@@ -1407,7 +1407,7 @@
           <a:p>
             <a:fld id="{9B8BF3A6-371B-484F-AA08-EE827C6B5646}" type="datetimeFigureOut">
               <a:rPr lang="en-US" smtClean="0"/>
-              <a:t>8/22/2017</a:t>
+              <a:t>8/24/2017</a:t>
             </a:fld>
             <a:endParaRPr lang="en-US"/>
           </a:p>
@@ -1819,7 +1819,7 @@
           <a:p>
             <a:fld id="{9B8BF3A6-371B-484F-AA08-EE827C6B5646}" type="datetimeFigureOut">
               <a:rPr lang="en-US" smtClean="0"/>
-              <a:t>8/22/2017</a:t>
+              <a:t>8/24/2017</a:t>
             </a:fld>
             <a:endParaRPr lang="en-US"/>
           </a:p>
@@ -1960,7 +1960,7 @@
           <a:p>
             <a:fld id="{9B8BF3A6-371B-484F-AA08-EE827C6B5646}" type="datetimeFigureOut">
               <a:rPr lang="en-US" smtClean="0"/>
-              <a:t>8/22/2017</a:t>
+              <a:t>8/24/2017</a:t>
             </a:fld>
             <a:endParaRPr lang="en-US"/>
           </a:p>
@@ -2073,7 +2073,7 @@
           <a:p>
             <a:fld id="{9B8BF3A6-371B-484F-AA08-EE827C6B5646}" type="datetimeFigureOut">
               <a:rPr lang="en-US" smtClean="0"/>
-              <a:t>8/22/2017</a:t>
+              <a:t>8/24/2017</a:t>
             </a:fld>
             <a:endParaRPr lang="en-US"/>
           </a:p>
@@ -2384,7 +2384,7 @@
           <a:p>
             <a:fld id="{9B8BF3A6-371B-484F-AA08-EE827C6B5646}" type="datetimeFigureOut">
               <a:rPr lang="en-US" smtClean="0"/>
-              <a:t>8/22/2017</a:t>
+              <a:t>8/24/2017</a:t>
             </a:fld>
             <a:endParaRPr lang="en-US"/>
           </a:p>
@@ -2672,7 +2672,7 @@
           <a:p>
             <a:fld id="{9B8BF3A6-371B-484F-AA08-EE827C6B5646}" type="datetimeFigureOut">
               <a:rPr lang="en-US" smtClean="0"/>
-              <a:t>8/22/2017</a:t>
+              <a:t>8/24/2017</a:t>
             </a:fld>
             <a:endParaRPr lang="en-US"/>
           </a:p>
@@ -2913,7 +2913,7 @@
           <a:p>
             <a:fld id="{9B8BF3A6-371B-484F-AA08-EE827C6B5646}" type="datetimeFigureOut">
               <a:rPr lang="en-US" smtClean="0"/>
-              <a:t>8/22/2017</a:t>
+              <a:t>8/24/2017</a:t>
             </a:fld>
             <a:endParaRPr lang="en-US"/>
           </a:p>
@@ -3332,10 +3332,10 @@
       </p:grpSpPr>
       <p:grpSp>
         <p:nvGrpSpPr>
-          <p:cNvPr id="134" name="Group 133">
+          <p:cNvPr id="29" name="Group 28">
             <a:extLst>
               <a:ext uri="{FF2B5EF4-FFF2-40B4-BE49-F238E27FC236}">
-                <a16:creationId xmlns:a16="http://schemas.microsoft.com/office/drawing/2014/main" id="{BB809FA4-1C85-462F-BF41-FB9358C529E7}"/>
+                <a16:creationId xmlns:a16="http://schemas.microsoft.com/office/drawing/2014/main" id="{1D1B9208-DAAD-4BB6-B00D-371C6DDFEF91}"/>
               </a:ext>
             </a:extLst>
           </p:cNvPr>
@@ -3344,10 +3344,10 @@
         </p:nvGrpSpPr>
         <p:grpSpPr>
           <a:xfrm>
-            <a:off x="916275" y="181963"/>
-            <a:ext cx="6563742" cy="6180963"/>
-            <a:chOff x="916275" y="181963"/>
-            <a:chExt cx="6563742" cy="6180963"/>
+            <a:off x="-65355" y="117685"/>
+            <a:ext cx="8364286" cy="6743201"/>
+            <a:chOff x="-65355" y="117685"/>
+            <a:chExt cx="8364286" cy="6743201"/>
           </a:xfrm>
         </p:grpSpPr>
         <p:pic>
@@ -3378,7 +3378,7 @@
           </p:blipFill>
           <p:spPr>
             <a:xfrm>
-              <a:off x="982372" y="3434062"/>
+              <a:off x="1187900" y="3955876"/>
               <a:ext cx="613502" cy="552462"/>
             </a:xfrm>
             <a:prstGeom prst="rect">
@@ -3400,7 +3400,7 @@
           </p:nvSpPr>
           <p:spPr>
             <a:xfrm>
-              <a:off x="916275" y="3983860"/>
+              <a:off x="1121803" y="4505674"/>
               <a:ext cx="750333" cy="276999"/>
             </a:xfrm>
             <a:prstGeom prst="rect">
@@ -3547,7 +3547,7 @@
           </p:blipFill>
           <p:spPr>
             <a:xfrm>
-              <a:off x="4460865" y="181963"/>
+              <a:off x="1112918" y="5519700"/>
               <a:ext cx="613502" cy="552462"/>
             </a:xfrm>
             <a:prstGeom prst="rect">
@@ -3569,7 +3569,7 @@
           </p:nvSpPr>
           <p:spPr>
             <a:xfrm>
-              <a:off x="2177769" y="4143831"/>
+              <a:off x="2383297" y="4665645"/>
               <a:ext cx="767899" cy="461665"/>
             </a:xfrm>
             <a:prstGeom prst="rect">
@@ -3709,7 +3709,7 @@
           </p:nvCxnSpPr>
           <p:spPr>
             <a:xfrm>
-              <a:off x="1673774" y="3703621"/>
+              <a:off x="1879302" y="4225435"/>
               <a:ext cx="462778" cy="0"/>
             </a:xfrm>
             <a:prstGeom prst="straightConnector1">
@@ -3754,7 +3754,7 @@
           </p:nvCxnSpPr>
           <p:spPr>
             <a:xfrm>
-              <a:off x="3103600" y="3883143"/>
+              <a:off x="3309128" y="4404957"/>
               <a:ext cx="1538965" cy="1306409"/>
             </a:xfrm>
             <a:prstGeom prst="straightConnector1">
@@ -3794,7 +3794,7 @@
           </p:nvSpPr>
           <p:spPr>
             <a:xfrm>
-              <a:off x="4038918" y="1526622"/>
+              <a:off x="4244446" y="2048436"/>
               <a:ext cx="1563102" cy="2687730"/>
             </a:xfrm>
             <a:prstGeom prst="rect">
@@ -3949,7 +3949,7 @@
           </p:blipFill>
           <p:spPr>
             <a:xfrm>
-              <a:off x="4394366" y="2141361"/>
+              <a:off x="4599894" y="2663175"/>
               <a:ext cx="830823" cy="830823"/>
             </a:xfrm>
             <a:prstGeom prst="rect">
@@ -3971,7 +3971,7 @@
           </p:nvSpPr>
           <p:spPr>
             <a:xfrm>
-              <a:off x="3830354" y="3591177"/>
+              <a:off x="4035882" y="4112991"/>
               <a:ext cx="1993510" cy="432626"/>
             </a:xfrm>
             <a:prstGeom prst="rect">
@@ -4108,7 +4108,7 @@
                     <a:schemeClr val="tx1"/>
                   </a:solidFill>
                 </a:rPr>
-                <a:t>Calculator</a:t>
+                <a:t>Int</a:t>
               </a:r>
               <a:r>
                 <a:rPr lang="es-ES" sz="1200" dirty="0">
@@ -4124,7 +4124,7 @@
                     <a:schemeClr val="tx1"/>
                   </a:solidFill>
                 </a:rPr>
-                <a:t>Product</a:t>
+                <a:t>Calculator</a:t>
               </a:r>
               <a:r>
                 <a:rPr lang="es-ES" sz="1200" dirty="0">
@@ -4132,8 +4132,21 @@
                     <a:schemeClr val="tx1"/>
                   </a:solidFill>
                 </a:rPr>
-                <a:t> API</a:t>
+                <a:t> API </a:t>
               </a:r>
+              <a:r>
+                <a:rPr lang="es-ES" sz="1200" dirty="0" err="1">
+                  <a:solidFill>
+                    <a:schemeClr val="tx1"/>
+                  </a:solidFill>
+                </a:rPr>
+                <a:t>Product</a:t>
+              </a:r>
+              <a:endParaRPr lang="es-ES" sz="1200" dirty="0">
+                <a:solidFill>
+                  <a:schemeClr val="tx1"/>
+                </a:solidFill>
+              </a:endParaRPr>
             </a:p>
           </p:txBody>
         </p:sp>
@@ -4165,7 +4178,7 @@
           </p:blipFill>
           <p:spPr>
             <a:xfrm>
-              <a:off x="2228875" y="3325505"/>
+              <a:off x="2434403" y="3847319"/>
               <a:ext cx="780290" cy="780290"/>
             </a:xfrm>
             <a:prstGeom prst="rect">
@@ -4201,7 +4214,7 @@
           </p:blipFill>
           <p:spPr>
             <a:xfrm>
-              <a:off x="6688758" y="5255476"/>
+              <a:off x="6894286" y="5777290"/>
               <a:ext cx="547445" cy="547445"/>
             </a:xfrm>
             <a:prstGeom prst="rect">
@@ -4237,7 +4250,7 @@
           </p:blipFill>
           <p:spPr>
             <a:xfrm>
-              <a:off x="6500012" y="3434062"/>
+              <a:off x="6705540" y="3955876"/>
               <a:ext cx="780290" cy="780290"/>
             </a:xfrm>
             <a:prstGeom prst="rect">
@@ -4273,44 +4286,8 @@
           </p:blipFill>
           <p:spPr>
             <a:xfrm>
-              <a:off x="3228611" y="2658224"/>
+              <a:off x="3434139" y="3180038"/>
               <a:ext cx="465593" cy="465593"/>
-            </a:xfrm>
-            <a:prstGeom prst="rect">
-              <a:avLst/>
-            </a:prstGeom>
-          </p:spPr>
-        </p:pic>
-        <p:pic>
-          <p:nvPicPr>
-            <p:cNvPr id="57" name="Picture 56">
-              <a:extLst>
-                <a:ext uri="{FF2B5EF4-FFF2-40B4-BE49-F238E27FC236}">
-                  <a16:creationId xmlns:a16="http://schemas.microsoft.com/office/drawing/2014/main" id="{BFCE3957-3112-48AC-A1EC-F6B446EABFB0}"/>
-                </a:ext>
-              </a:extLst>
-            </p:cNvPr>
-            <p:cNvPicPr>
-              <a:picLocks noChangeAspect="1"/>
-            </p:cNvPicPr>
-            <p:nvPr/>
-          </p:nvPicPr>
-          <p:blipFill>
-            <a:blip r:embed="rId9">
-              <a:extLst>
-                <a:ext uri="{28A0092B-C50C-407E-A947-70E740481C1C}">
-                  <a14:useLocalDpi xmlns:a14="http://schemas.microsoft.com/office/drawing/2010/main" val="0"/>
-                </a:ext>
-              </a:extLst>
-            </a:blip>
-            <a:stretch>
-              <a:fillRect/>
-            </a:stretch>
-          </p:blipFill>
-          <p:spPr>
-            <a:xfrm>
-              <a:off x="2270673" y="1475399"/>
-              <a:ext cx="780290" cy="780290"/>
             </a:xfrm>
             <a:prstGeom prst="rect">
               <a:avLst/>
@@ -4331,7 +4308,7 @@
           </p:nvSpPr>
           <p:spPr>
             <a:xfrm>
-              <a:off x="6468304" y="4236324"/>
+              <a:off x="6673832" y="4758138"/>
               <a:ext cx="767899" cy="461665"/>
             </a:xfrm>
             <a:prstGeom prst="rect">
@@ -4471,7 +4448,7 @@
           </p:nvSpPr>
           <p:spPr>
             <a:xfrm>
-              <a:off x="4162630" y="807343"/>
+              <a:off x="814683" y="6145080"/>
               <a:ext cx="1243761" cy="461665"/>
             </a:xfrm>
             <a:prstGeom prst="rect">
@@ -4604,8 +4581,8 @@
           </p:nvSpPr>
           <p:spPr>
             <a:xfrm>
-              <a:off x="4275587" y="6085927"/>
-              <a:ext cx="970532" cy="276999"/>
+              <a:off x="4300498" y="6583887"/>
+              <a:ext cx="1286848" cy="276999"/>
             </a:xfrm>
             <a:prstGeom prst="rect">
               <a:avLst/>
@@ -4718,7 +4695,7 @@
                   <a:latin typeface="Segoe UI Light" panose="020B0502040204020203" pitchFamily="34" charset="0"/>
                   <a:cs typeface="Segoe UI Light" panose="020B0502040204020203" pitchFamily="34" charset="0"/>
                 </a:rPr>
-                <a:t>Azure AD</a:t>
+                <a:t>Corp Azure AD</a:t>
               </a:r>
             </a:p>
           </p:txBody>
@@ -4737,7 +4714,7 @@
           </p:nvSpPr>
           <p:spPr>
             <a:xfrm>
-              <a:off x="4207182" y="2870534"/>
+              <a:off x="4412710" y="3392348"/>
               <a:ext cx="1218589" cy="461665"/>
             </a:xfrm>
             <a:prstGeom prst="rect">
@@ -4870,7 +4847,7 @@
           </p:nvSpPr>
           <p:spPr>
             <a:xfrm>
-              <a:off x="3830354" y="1739214"/>
+              <a:off x="4035882" y="2261028"/>
               <a:ext cx="1993510" cy="373375"/>
             </a:xfrm>
             <a:prstGeom prst="rect">
@@ -5007,141 +4984,37 @@
                     <a:schemeClr val="tx1"/>
                   </a:solidFill>
                 </a:rPr>
-                <a:t>Echo API</a:t>
+                <a:t>Ext </a:t>
               </a:r>
-            </a:p>
-          </p:txBody>
-        </p:sp>
-        <p:sp>
-          <p:nvSpPr>
-            <p:cNvPr id="66" name="TextBox 33">
-              <a:extLst>
-                <a:ext uri="{FF2B5EF4-FFF2-40B4-BE49-F238E27FC236}">
-                  <a16:creationId xmlns:a16="http://schemas.microsoft.com/office/drawing/2014/main" id="{CD8B0461-F36E-493E-B70E-8EDF44834FD5}"/>
-                </a:ext>
-              </a:extLst>
-            </p:cNvPr>
-            <p:cNvSpPr txBox="1"/>
-            <p:nvPr/>
-          </p:nvSpPr>
-          <p:spPr>
-            <a:xfrm>
-              <a:off x="2241638" y="2174918"/>
-              <a:ext cx="767899" cy="461665"/>
-            </a:xfrm>
-            <a:prstGeom prst="rect">
-              <a:avLst/>
-            </a:prstGeom>
-            <a:noFill/>
-          </p:spPr>
-          <p:txBody>
-            <a:bodyPr wrap="square" rtlCol="0">
-              <a:spAutoFit/>
-            </a:bodyPr>
-            <a:lstStyle>
-              <a:defPPr>
-                <a:defRPr lang="en-US"/>
-              </a:defPPr>
-              <a:lvl1pPr marL="0" algn="l" defTabSz="457200" rtl="0" eaLnBrk="1" latinLnBrk="0" hangingPunct="1">
-                <a:defRPr sz="1800" kern="1200">
-                  <a:solidFill>
-                    <a:schemeClr val="tx1"/>
-                  </a:solidFill>
-                  <a:latin typeface="+mn-lt"/>
-                  <a:ea typeface="+mn-ea"/>
-                  <a:cs typeface="+mn-cs"/>
-                </a:defRPr>
-              </a:lvl1pPr>
-              <a:lvl2pPr marL="457200" algn="l" defTabSz="457200" rtl="0" eaLnBrk="1" latinLnBrk="0" hangingPunct="1">
-                <a:defRPr sz="1800" kern="1200">
-                  <a:solidFill>
-                    <a:schemeClr val="tx1"/>
-                  </a:solidFill>
-                  <a:latin typeface="+mn-lt"/>
-                  <a:ea typeface="+mn-ea"/>
-                  <a:cs typeface="+mn-cs"/>
-                </a:defRPr>
-              </a:lvl2pPr>
-              <a:lvl3pPr marL="914400" algn="l" defTabSz="457200" rtl="0" eaLnBrk="1" latinLnBrk="0" hangingPunct="1">
-                <a:defRPr sz="1800" kern="1200">
-                  <a:solidFill>
-                    <a:schemeClr val="tx1"/>
-                  </a:solidFill>
-                  <a:latin typeface="+mn-lt"/>
-                  <a:ea typeface="+mn-ea"/>
-                  <a:cs typeface="+mn-cs"/>
-                </a:defRPr>
-              </a:lvl3pPr>
-              <a:lvl4pPr marL="1371600" algn="l" defTabSz="457200" rtl="0" eaLnBrk="1" latinLnBrk="0" hangingPunct="1">
-                <a:defRPr sz="1800" kern="1200">
-                  <a:solidFill>
-                    <a:schemeClr val="tx1"/>
-                  </a:solidFill>
-                  <a:latin typeface="+mn-lt"/>
-                  <a:ea typeface="+mn-ea"/>
-                  <a:cs typeface="+mn-cs"/>
-                </a:defRPr>
-              </a:lvl4pPr>
-              <a:lvl5pPr marL="1828800" algn="l" defTabSz="457200" rtl="0" eaLnBrk="1" latinLnBrk="0" hangingPunct="1">
-                <a:defRPr sz="1800" kern="1200">
-                  <a:solidFill>
-                    <a:schemeClr val="tx1"/>
-                  </a:solidFill>
-                  <a:latin typeface="+mn-lt"/>
-                  <a:ea typeface="+mn-ea"/>
-                  <a:cs typeface="+mn-cs"/>
-                </a:defRPr>
-              </a:lvl5pPr>
-              <a:lvl6pPr marL="2286000" algn="l" defTabSz="457200" rtl="0" eaLnBrk="1" latinLnBrk="0" hangingPunct="1">
-                <a:defRPr sz="1800" kern="1200">
-                  <a:solidFill>
-                    <a:schemeClr val="tx1"/>
-                  </a:solidFill>
-                  <a:latin typeface="+mn-lt"/>
-                  <a:ea typeface="+mn-ea"/>
-                  <a:cs typeface="+mn-cs"/>
-                </a:defRPr>
-              </a:lvl6pPr>
-              <a:lvl7pPr marL="2743200" algn="l" defTabSz="457200" rtl="0" eaLnBrk="1" latinLnBrk="0" hangingPunct="1">
-                <a:defRPr sz="1800" kern="1200">
-                  <a:solidFill>
-                    <a:schemeClr val="tx1"/>
-                  </a:solidFill>
-                  <a:latin typeface="+mn-lt"/>
-                  <a:ea typeface="+mn-ea"/>
-                  <a:cs typeface="+mn-cs"/>
-                </a:defRPr>
-              </a:lvl7pPr>
-              <a:lvl8pPr marL="3200400" algn="l" defTabSz="457200" rtl="0" eaLnBrk="1" latinLnBrk="0" hangingPunct="1">
-                <a:defRPr sz="1800" kern="1200">
-                  <a:solidFill>
-                    <a:schemeClr val="tx1"/>
-                  </a:solidFill>
-                  <a:latin typeface="+mn-lt"/>
-                  <a:ea typeface="+mn-ea"/>
-                  <a:cs typeface="+mn-cs"/>
-                </a:defRPr>
-              </a:lvl8pPr>
-              <a:lvl9pPr marL="3657600" algn="l" defTabSz="457200" rtl="0" eaLnBrk="1" latinLnBrk="0" hangingPunct="1">
-                <a:defRPr sz="1800" kern="1200">
-                  <a:solidFill>
-                    <a:schemeClr val="tx1"/>
-                  </a:solidFill>
-                  <a:latin typeface="+mn-lt"/>
-                  <a:ea typeface="+mn-ea"/>
-                  <a:cs typeface="+mn-cs"/>
-                </a:defRPr>
-              </a:lvl9pPr>
-            </a:lstStyle>
-            <a:p>
-              <a:pPr algn="ctr"/>
               <a:r>
-                <a:rPr lang="en-US" sz="1200" dirty="0">
-                  <a:latin typeface="Segoe UI Light" panose="020B0502040204020203" pitchFamily="34" charset="0"/>
-                  <a:cs typeface="Segoe UI Light" panose="020B0502040204020203" pitchFamily="34" charset="0"/>
+                <a:rPr lang="es-ES" sz="1200" dirty="0" err="1">
+                  <a:solidFill>
+                    <a:schemeClr val="tx1"/>
+                  </a:solidFill>
                 </a:rPr>
-                <a:t>Azure Function</a:t>
+                <a:t>Calculator</a:t>
               </a:r>
+              <a:r>
+                <a:rPr lang="es-ES" sz="1200" dirty="0">
+                  <a:solidFill>
+                    <a:schemeClr val="tx1"/>
+                  </a:solidFill>
+                </a:rPr>
+                <a:t> API </a:t>
+              </a:r>
+              <a:r>
+                <a:rPr lang="es-ES" sz="1200" dirty="0" err="1">
+                  <a:solidFill>
+                    <a:schemeClr val="tx1"/>
+                  </a:solidFill>
+                </a:rPr>
+                <a:t>Product</a:t>
+              </a:r>
+              <a:endParaRPr lang="es-ES" sz="1200" dirty="0">
+                <a:solidFill>
+                  <a:schemeClr val="tx1"/>
+                </a:solidFill>
+              </a:endParaRPr>
             </a:p>
           </p:txBody>
         </p:sp>
@@ -5159,7 +5032,7 @@
           </p:nvSpPr>
           <p:spPr>
             <a:xfrm>
-              <a:off x="3038812" y="3143893"/>
+              <a:off x="3244340" y="3665707"/>
               <a:ext cx="845192" cy="553998"/>
             </a:xfrm>
             <a:prstGeom prst="rect">
@@ -5273,7 +5146,7 @@
                   <a:latin typeface="Segoe UI Light" panose="020B0502040204020203" pitchFamily="34" charset="0"/>
                   <a:cs typeface="Segoe UI Light" panose="020B0502040204020203" pitchFamily="34" charset="0"/>
                 </a:rPr>
-                <a:t>3. Bearer Token Auth Header</a:t>
+                <a:t>3. AAD JWT Bearer Auth Token</a:t>
               </a:r>
             </a:p>
           </p:txBody>
@@ -5293,7 +5166,7 @@
             <p:nvPr/>
           </p:nvPicPr>
           <p:blipFill>
-            <a:blip r:embed="rId10">
+            <a:blip r:embed="rId9">
               <a:extLst>
                 <a:ext uri="{28A0092B-C50C-407E-A947-70E740481C1C}">
                   <a14:useLocalDpi xmlns:a14="http://schemas.microsoft.com/office/drawing/2010/main" val="0"/>
@@ -5306,7 +5179,7 @@
           </p:blipFill>
           <p:spPr>
             <a:xfrm>
-              <a:off x="4370708" y="5213503"/>
+              <a:off x="4576236" y="5735317"/>
               <a:ext cx="780290" cy="780290"/>
             </a:xfrm>
             <a:prstGeom prst="rect">
@@ -5314,98 +5187,6 @@
             </a:prstGeom>
           </p:spPr>
         </p:pic>
-        <p:cxnSp>
-          <p:nvCxnSpPr>
-            <p:cNvPr id="71" name="Straight Arrow Connector 70">
-              <a:extLst>
-                <a:ext uri="{FF2B5EF4-FFF2-40B4-BE49-F238E27FC236}">
-                  <a16:creationId xmlns:a16="http://schemas.microsoft.com/office/drawing/2014/main" id="{3F7172CF-AD53-450A-8300-712715523E84}"/>
-                </a:ext>
-              </a:extLst>
-            </p:cNvPr>
-            <p:cNvCxnSpPr>
-              <a:cxnSpLocks/>
-              <a:endCxn id="12" idx="1"/>
-            </p:cNvCxnSpPr>
-            <p:nvPr/>
-          </p:nvCxnSpPr>
-          <p:spPr>
-            <a:xfrm flipV="1">
-              <a:off x="3050963" y="458194"/>
-              <a:ext cx="1409902" cy="1090783"/>
-            </a:xfrm>
-            <a:prstGeom prst="straightConnector1">
-              <a:avLst/>
-            </a:prstGeom>
-            <a:ln w="38100">
-              <a:solidFill>
-                <a:srgbClr val="7030A0"/>
-              </a:solidFill>
-              <a:headEnd type="none"/>
-              <a:tailEnd type="triangle"/>
-            </a:ln>
-          </p:spPr>
-          <p:style>
-            <a:lnRef idx="1">
-              <a:schemeClr val="accent1"/>
-            </a:lnRef>
-            <a:fillRef idx="0">
-              <a:schemeClr val="accent1"/>
-            </a:fillRef>
-            <a:effectRef idx="0">
-              <a:schemeClr val="accent1"/>
-            </a:effectRef>
-            <a:fontRef idx="minor">
-              <a:schemeClr val="tx1"/>
-            </a:fontRef>
-          </p:style>
-        </p:cxnSp>
-        <p:cxnSp>
-          <p:nvCxnSpPr>
-            <p:cNvPr id="74" name="Straight Arrow Connector 73">
-              <a:extLst>
-                <a:ext uri="{FF2B5EF4-FFF2-40B4-BE49-F238E27FC236}">
-                  <a16:creationId xmlns:a16="http://schemas.microsoft.com/office/drawing/2014/main" id="{DCFC33F6-0E1E-46F5-B083-0E5C501B8E47}"/>
-                </a:ext>
-              </a:extLst>
-            </p:cNvPr>
-            <p:cNvCxnSpPr>
-              <a:cxnSpLocks/>
-              <a:stCxn id="43" idx="0"/>
-            </p:cNvCxnSpPr>
-            <p:nvPr/>
-          </p:nvCxnSpPr>
-          <p:spPr>
-            <a:xfrm flipV="1">
-              <a:off x="2619020" y="593627"/>
-              <a:ext cx="1796926" cy="2731878"/>
-            </a:xfrm>
-            <a:prstGeom prst="straightConnector1">
-              <a:avLst/>
-            </a:prstGeom>
-            <a:ln w="38100">
-              <a:solidFill>
-                <a:srgbClr val="7030A0"/>
-              </a:solidFill>
-              <a:headEnd type="none"/>
-              <a:tailEnd type="triangle"/>
-            </a:ln>
-          </p:spPr>
-          <p:style>
-            <a:lnRef idx="1">
-              <a:schemeClr val="accent1"/>
-            </a:lnRef>
-            <a:fillRef idx="0">
-              <a:schemeClr val="accent1"/>
-            </a:fillRef>
-            <a:effectRef idx="0">
-              <a:schemeClr val="accent1"/>
-            </a:effectRef>
-            <a:fontRef idx="minor">
-              <a:schemeClr val="tx1"/>
-            </a:fontRef>
-          </p:style>
-        </p:cxnSp>
         <p:cxnSp>
           <p:nvCxnSpPr>
             <p:cNvPr id="77" name="Straight Arrow Connector 76">
@@ -5417,14 +5198,13 @@
             </p:cNvPr>
             <p:cNvCxnSpPr>
               <a:cxnSpLocks/>
-              <a:endCxn id="12" idx="3"/>
             </p:cNvCxnSpPr>
             <p:nvPr/>
           </p:nvCxnSpPr>
           <p:spPr>
-            <a:xfrm flipH="1" flipV="1">
-              <a:off x="5074367" y="458194"/>
-              <a:ext cx="1841094" cy="2799411"/>
+            <a:xfrm flipH="1">
+              <a:off x="1726420" y="4665645"/>
+              <a:ext cx="520908" cy="746760"/>
             </a:xfrm>
             <a:prstGeom prst="straightConnector1">
               <a:avLst/>
@@ -5454,405 +5234,6 @@
         </p:cxnSp>
         <p:sp>
           <p:nvSpPr>
-            <p:cNvPr id="80" name="TextBox 47">
-              <a:extLst>
-                <a:ext uri="{FF2B5EF4-FFF2-40B4-BE49-F238E27FC236}">
-                  <a16:creationId xmlns:a16="http://schemas.microsoft.com/office/drawing/2014/main" id="{42131009-12BD-4F24-ABD9-19EC0BE1C7CA}"/>
-                </a:ext>
-              </a:extLst>
-            </p:cNvPr>
-            <p:cNvSpPr txBox="1"/>
-            <p:nvPr/>
-          </p:nvSpPr>
-          <p:spPr>
-            <a:xfrm rot="19406723">
-              <a:off x="2757490" y="842638"/>
-              <a:ext cx="1578177" cy="253916"/>
-            </a:xfrm>
-            <a:prstGeom prst="rect">
-              <a:avLst/>
-            </a:prstGeom>
-            <a:noFill/>
-          </p:spPr>
-          <p:txBody>
-            <a:bodyPr wrap="square" rtlCol="0">
-              <a:spAutoFit/>
-            </a:bodyPr>
-            <a:lstStyle>
-              <a:defPPr>
-                <a:defRPr lang="en-US"/>
-              </a:defPPr>
-              <a:lvl1pPr marL="0" algn="l" defTabSz="457200" rtl="0" eaLnBrk="1" latinLnBrk="0" hangingPunct="1">
-                <a:defRPr sz="1800" kern="1200">
-                  <a:solidFill>
-                    <a:schemeClr val="tx1"/>
-                  </a:solidFill>
-                  <a:latin typeface="+mn-lt"/>
-                  <a:ea typeface="+mn-ea"/>
-                  <a:cs typeface="+mn-cs"/>
-                </a:defRPr>
-              </a:lvl1pPr>
-              <a:lvl2pPr marL="457200" algn="l" defTabSz="457200" rtl="0" eaLnBrk="1" latinLnBrk="0" hangingPunct="1">
-                <a:defRPr sz="1800" kern="1200">
-                  <a:solidFill>
-                    <a:schemeClr val="tx1"/>
-                  </a:solidFill>
-                  <a:latin typeface="+mn-lt"/>
-                  <a:ea typeface="+mn-ea"/>
-                  <a:cs typeface="+mn-cs"/>
-                </a:defRPr>
-              </a:lvl2pPr>
-              <a:lvl3pPr marL="914400" algn="l" defTabSz="457200" rtl="0" eaLnBrk="1" latinLnBrk="0" hangingPunct="1">
-                <a:defRPr sz="1800" kern="1200">
-                  <a:solidFill>
-                    <a:schemeClr val="tx1"/>
-                  </a:solidFill>
-                  <a:latin typeface="+mn-lt"/>
-                  <a:ea typeface="+mn-ea"/>
-                  <a:cs typeface="+mn-cs"/>
-                </a:defRPr>
-              </a:lvl3pPr>
-              <a:lvl4pPr marL="1371600" algn="l" defTabSz="457200" rtl="0" eaLnBrk="1" latinLnBrk="0" hangingPunct="1">
-                <a:defRPr sz="1800" kern="1200">
-                  <a:solidFill>
-                    <a:schemeClr val="tx1"/>
-                  </a:solidFill>
-                  <a:latin typeface="+mn-lt"/>
-                  <a:ea typeface="+mn-ea"/>
-                  <a:cs typeface="+mn-cs"/>
-                </a:defRPr>
-              </a:lvl4pPr>
-              <a:lvl5pPr marL="1828800" algn="l" defTabSz="457200" rtl="0" eaLnBrk="1" latinLnBrk="0" hangingPunct="1">
-                <a:defRPr sz="1800" kern="1200">
-                  <a:solidFill>
-                    <a:schemeClr val="tx1"/>
-                  </a:solidFill>
-                  <a:latin typeface="+mn-lt"/>
-                  <a:ea typeface="+mn-ea"/>
-                  <a:cs typeface="+mn-cs"/>
-                </a:defRPr>
-              </a:lvl5pPr>
-              <a:lvl6pPr marL="2286000" algn="l" defTabSz="457200" rtl="0" eaLnBrk="1" latinLnBrk="0" hangingPunct="1">
-                <a:defRPr sz="1800" kern="1200">
-                  <a:solidFill>
-                    <a:schemeClr val="tx1"/>
-                  </a:solidFill>
-                  <a:latin typeface="+mn-lt"/>
-                  <a:ea typeface="+mn-ea"/>
-                  <a:cs typeface="+mn-cs"/>
-                </a:defRPr>
-              </a:lvl6pPr>
-              <a:lvl7pPr marL="2743200" algn="l" defTabSz="457200" rtl="0" eaLnBrk="1" latinLnBrk="0" hangingPunct="1">
-                <a:defRPr sz="1800" kern="1200">
-                  <a:solidFill>
-                    <a:schemeClr val="tx1"/>
-                  </a:solidFill>
-                  <a:latin typeface="+mn-lt"/>
-                  <a:ea typeface="+mn-ea"/>
-                  <a:cs typeface="+mn-cs"/>
-                </a:defRPr>
-              </a:lvl7pPr>
-              <a:lvl8pPr marL="3200400" algn="l" defTabSz="457200" rtl="0" eaLnBrk="1" latinLnBrk="0" hangingPunct="1">
-                <a:defRPr sz="1800" kern="1200">
-                  <a:solidFill>
-                    <a:schemeClr val="tx1"/>
-                  </a:solidFill>
-                  <a:latin typeface="+mn-lt"/>
-                  <a:ea typeface="+mn-ea"/>
-                  <a:cs typeface="+mn-cs"/>
-                </a:defRPr>
-              </a:lvl8pPr>
-              <a:lvl9pPr marL="3657600" algn="l" defTabSz="457200" rtl="0" eaLnBrk="1" latinLnBrk="0" hangingPunct="1">
-                <a:defRPr sz="1800" kern="1200">
-                  <a:solidFill>
-                    <a:schemeClr val="tx1"/>
-                  </a:solidFill>
-                  <a:latin typeface="+mn-lt"/>
-                  <a:ea typeface="+mn-ea"/>
-                  <a:cs typeface="+mn-cs"/>
-                </a:defRPr>
-              </a:lvl9pPr>
-            </a:lstStyle>
-            <a:p>
-              <a:pPr algn="ctr"/>
-              <a:r>
-                <a:rPr lang="en-US" sz="1050" dirty="0">
-                  <a:latin typeface="Segoe UI Light" panose="020B0502040204020203" pitchFamily="34" charset="0"/>
-                  <a:cs typeface="Segoe UI Light" panose="020B0502040204020203" pitchFamily="34" charset="0"/>
-                </a:rPr>
-                <a:t>Metrics &amp; Telemetry</a:t>
-              </a:r>
-            </a:p>
-          </p:txBody>
-        </p:sp>
-        <p:sp>
-          <p:nvSpPr>
-            <p:cNvPr id="81" name="TextBox 47">
-              <a:extLst>
-                <a:ext uri="{FF2B5EF4-FFF2-40B4-BE49-F238E27FC236}">
-                  <a16:creationId xmlns:a16="http://schemas.microsoft.com/office/drawing/2014/main" id="{8DB984C3-1D4E-4A1C-A470-277751FDE137}"/>
-                </a:ext>
-              </a:extLst>
-            </p:cNvPr>
-            <p:cNvSpPr txBox="1"/>
-            <p:nvPr/>
-          </p:nvSpPr>
-          <p:spPr>
-            <a:xfrm rot="18159170">
-              <a:off x="2803123" y="1510414"/>
-              <a:ext cx="1578177" cy="253916"/>
-            </a:xfrm>
-            <a:prstGeom prst="rect">
-              <a:avLst/>
-            </a:prstGeom>
-            <a:noFill/>
-          </p:spPr>
-          <p:txBody>
-            <a:bodyPr wrap="square" rtlCol="0">
-              <a:spAutoFit/>
-            </a:bodyPr>
-            <a:lstStyle>
-              <a:defPPr>
-                <a:defRPr lang="en-US"/>
-              </a:defPPr>
-              <a:lvl1pPr marL="0" algn="l" defTabSz="457200" rtl="0" eaLnBrk="1" latinLnBrk="0" hangingPunct="1">
-                <a:defRPr sz="1800" kern="1200">
-                  <a:solidFill>
-                    <a:schemeClr val="tx1"/>
-                  </a:solidFill>
-                  <a:latin typeface="+mn-lt"/>
-                  <a:ea typeface="+mn-ea"/>
-                  <a:cs typeface="+mn-cs"/>
-                </a:defRPr>
-              </a:lvl1pPr>
-              <a:lvl2pPr marL="457200" algn="l" defTabSz="457200" rtl="0" eaLnBrk="1" latinLnBrk="0" hangingPunct="1">
-                <a:defRPr sz="1800" kern="1200">
-                  <a:solidFill>
-                    <a:schemeClr val="tx1"/>
-                  </a:solidFill>
-                  <a:latin typeface="+mn-lt"/>
-                  <a:ea typeface="+mn-ea"/>
-                  <a:cs typeface="+mn-cs"/>
-                </a:defRPr>
-              </a:lvl2pPr>
-              <a:lvl3pPr marL="914400" algn="l" defTabSz="457200" rtl="0" eaLnBrk="1" latinLnBrk="0" hangingPunct="1">
-                <a:defRPr sz="1800" kern="1200">
-                  <a:solidFill>
-                    <a:schemeClr val="tx1"/>
-                  </a:solidFill>
-                  <a:latin typeface="+mn-lt"/>
-                  <a:ea typeface="+mn-ea"/>
-                  <a:cs typeface="+mn-cs"/>
-                </a:defRPr>
-              </a:lvl3pPr>
-              <a:lvl4pPr marL="1371600" algn="l" defTabSz="457200" rtl="0" eaLnBrk="1" latinLnBrk="0" hangingPunct="1">
-                <a:defRPr sz="1800" kern="1200">
-                  <a:solidFill>
-                    <a:schemeClr val="tx1"/>
-                  </a:solidFill>
-                  <a:latin typeface="+mn-lt"/>
-                  <a:ea typeface="+mn-ea"/>
-                  <a:cs typeface="+mn-cs"/>
-                </a:defRPr>
-              </a:lvl4pPr>
-              <a:lvl5pPr marL="1828800" algn="l" defTabSz="457200" rtl="0" eaLnBrk="1" latinLnBrk="0" hangingPunct="1">
-                <a:defRPr sz="1800" kern="1200">
-                  <a:solidFill>
-                    <a:schemeClr val="tx1"/>
-                  </a:solidFill>
-                  <a:latin typeface="+mn-lt"/>
-                  <a:ea typeface="+mn-ea"/>
-                  <a:cs typeface="+mn-cs"/>
-                </a:defRPr>
-              </a:lvl5pPr>
-              <a:lvl6pPr marL="2286000" algn="l" defTabSz="457200" rtl="0" eaLnBrk="1" latinLnBrk="0" hangingPunct="1">
-                <a:defRPr sz="1800" kern="1200">
-                  <a:solidFill>
-                    <a:schemeClr val="tx1"/>
-                  </a:solidFill>
-                  <a:latin typeface="+mn-lt"/>
-                  <a:ea typeface="+mn-ea"/>
-                  <a:cs typeface="+mn-cs"/>
-                </a:defRPr>
-              </a:lvl6pPr>
-              <a:lvl7pPr marL="2743200" algn="l" defTabSz="457200" rtl="0" eaLnBrk="1" latinLnBrk="0" hangingPunct="1">
-                <a:defRPr sz="1800" kern="1200">
-                  <a:solidFill>
-                    <a:schemeClr val="tx1"/>
-                  </a:solidFill>
-                  <a:latin typeface="+mn-lt"/>
-                  <a:ea typeface="+mn-ea"/>
-                  <a:cs typeface="+mn-cs"/>
-                </a:defRPr>
-              </a:lvl7pPr>
-              <a:lvl8pPr marL="3200400" algn="l" defTabSz="457200" rtl="0" eaLnBrk="1" latinLnBrk="0" hangingPunct="1">
-                <a:defRPr sz="1800" kern="1200">
-                  <a:solidFill>
-                    <a:schemeClr val="tx1"/>
-                  </a:solidFill>
-                  <a:latin typeface="+mn-lt"/>
-                  <a:ea typeface="+mn-ea"/>
-                  <a:cs typeface="+mn-cs"/>
-                </a:defRPr>
-              </a:lvl8pPr>
-              <a:lvl9pPr marL="3657600" algn="l" defTabSz="457200" rtl="0" eaLnBrk="1" latinLnBrk="0" hangingPunct="1">
-                <a:defRPr sz="1800" kern="1200">
-                  <a:solidFill>
-                    <a:schemeClr val="tx1"/>
-                  </a:solidFill>
-                  <a:latin typeface="+mn-lt"/>
-                  <a:ea typeface="+mn-ea"/>
-                  <a:cs typeface="+mn-cs"/>
-                </a:defRPr>
-              </a:lvl9pPr>
-            </a:lstStyle>
-            <a:p>
-              <a:pPr algn="ctr"/>
-              <a:r>
-                <a:rPr lang="en-US" sz="1050" dirty="0">
-                  <a:latin typeface="Segoe UI Light" panose="020B0502040204020203" pitchFamily="34" charset="0"/>
-                  <a:cs typeface="Segoe UI Light" panose="020B0502040204020203" pitchFamily="34" charset="0"/>
-                </a:rPr>
-                <a:t>Metrics &amp; Telemetry</a:t>
-              </a:r>
-            </a:p>
-          </p:txBody>
-        </p:sp>
-        <p:sp>
-          <p:nvSpPr>
-            <p:cNvPr id="82" name="TextBox 47">
-              <a:extLst>
-                <a:ext uri="{FF2B5EF4-FFF2-40B4-BE49-F238E27FC236}">
-                  <a16:creationId xmlns:a16="http://schemas.microsoft.com/office/drawing/2014/main" id="{CC941D12-355C-425F-9089-F975AE6F243A}"/>
-                </a:ext>
-              </a:extLst>
-            </p:cNvPr>
-            <p:cNvSpPr txBox="1"/>
-            <p:nvPr/>
-          </p:nvSpPr>
-          <p:spPr>
-            <a:xfrm rot="3433995">
-              <a:off x="4899860" y="986182"/>
-              <a:ext cx="1578177" cy="253916"/>
-            </a:xfrm>
-            <a:prstGeom prst="rect">
-              <a:avLst/>
-            </a:prstGeom>
-            <a:noFill/>
-          </p:spPr>
-          <p:txBody>
-            <a:bodyPr wrap="square" rtlCol="0">
-              <a:spAutoFit/>
-            </a:bodyPr>
-            <a:lstStyle>
-              <a:defPPr>
-                <a:defRPr lang="en-US"/>
-              </a:defPPr>
-              <a:lvl1pPr marL="0" algn="l" defTabSz="457200" rtl="0" eaLnBrk="1" latinLnBrk="0" hangingPunct="1">
-                <a:defRPr sz="1800" kern="1200">
-                  <a:solidFill>
-                    <a:schemeClr val="tx1"/>
-                  </a:solidFill>
-                  <a:latin typeface="+mn-lt"/>
-                  <a:ea typeface="+mn-ea"/>
-                  <a:cs typeface="+mn-cs"/>
-                </a:defRPr>
-              </a:lvl1pPr>
-              <a:lvl2pPr marL="457200" algn="l" defTabSz="457200" rtl="0" eaLnBrk="1" latinLnBrk="0" hangingPunct="1">
-                <a:defRPr sz="1800" kern="1200">
-                  <a:solidFill>
-                    <a:schemeClr val="tx1"/>
-                  </a:solidFill>
-                  <a:latin typeface="+mn-lt"/>
-                  <a:ea typeface="+mn-ea"/>
-                  <a:cs typeface="+mn-cs"/>
-                </a:defRPr>
-              </a:lvl2pPr>
-              <a:lvl3pPr marL="914400" algn="l" defTabSz="457200" rtl="0" eaLnBrk="1" latinLnBrk="0" hangingPunct="1">
-                <a:defRPr sz="1800" kern="1200">
-                  <a:solidFill>
-                    <a:schemeClr val="tx1"/>
-                  </a:solidFill>
-                  <a:latin typeface="+mn-lt"/>
-                  <a:ea typeface="+mn-ea"/>
-                  <a:cs typeface="+mn-cs"/>
-                </a:defRPr>
-              </a:lvl3pPr>
-              <a:lvl4pPr marL="1371600" algn="l" defTabSz="457200" rtl="0" eaLnBrk="1" latinLnBrk="0" hangingPunct="1">
-                <a:defRPr sz="1800" kern="1200">
-                  <a:solidFill>
-                    <a:schemeClr val="tx1"/>
-                  </a:solidFill>
-                  <a:latin typeface="+mn-lt"/>
-                  <a:ea typeface="+mn-ea"/>
-                  <a:cs typeface="+mn-cs"/>
-                </a:defRPr>
-              </a:lvl4pPr>
-              <a:lvl5pPr marL="1828800" algn="l" defTabSz="457200" rtl="0" eaLnBrk="1" latinLnBrk="0" hangingPunct="1">
-                <a:defRPr sz="1800" kern="1200">
-                  <a:solidFill>
-                    <a:schemeClr val="tx1"/>
-                  </a:solidFill>
-                  <a:latin typeface="+mn-lt"/>
-                  <a:ea typeface="+mn-ea"/>
-                  <a:cs typeface="+mn-cs"/>
-                </a:defRPr>
-              </a:lvl5pPr>
-              <a:lvl6pPr marL="2286000" algn="l" defTabSz="457200" rtl="0" eaLnBrk="1" latinLnBrk="0" hangingPunct="1">
-                <a:defRPr sz="1800" kern="1200">
-                  <a:solidFill>
-                    <a:schemeClr val="tx1"/>
-                  </a:solidFill>
-                  <a:latin typeface="+mn-lt"/>
-                  <a:ea typeface="+mn-ea"/>
-                  <a:cs typeface="+mn-cs"/>
-                </a:defRPr>
-              </a:lvl6pPr>
-              <a:lvl7pPr marL="2743200" algn="l" defTabSz="457200" rtl="0" eaLnBrk="1" latinLnBrk="0" hangingPunct="1">
-                <a:defRPr sz="1800" kern="1200">
-                  <a:solidFill>
-                    <a:schemeClr val="tx1"/>
-                  </a:solidFill>
-                  <a:latin typeface="+mn-lt"/>
-                  <a:ea typeface="+mn-ea"/>
-                  <a:cs typeface="+mn-cs"/>
-                </a:defRPr>
-              </a:lvl7pPr>
-              <a:lvl8pPr marL="3200400" algn="l" defTabSz="457200" rtl="0" eaLnBrk="1" latinLnBrk="0" hangingPunct="1">
-                <a:defRPr sz="1800" kern="1200">
-                  <a:solidFill>
-                    <a:schemeClr val="tx1"/>
-                  </a:solidFill>
-                  <a:latin typeface="+mn-lt"/>
-                  <a:ea typeface="+mn-ea"/>
-                  <a:cs typeface="+mn-cs"/>
-                </a:defRPr>
-              </a:lvl8pPr>
-              <a:lvl9pPr marL="3657600" algn="l" defTabSz="457200" rtl="0" eaLnBrk="1" latinLnBrk="0" hangingPunct="1">
-                <a:defRPr sz="1800" kern="1200">
-                  <a:solidFill>
-                    <a:schemeClr val="tx1"/>
-                  </a:solidFill>
-                  <a:latin typeface="+mn-lt"/>
-                  <a:ea typeface="+mn-ea"/>
-                  <a:cs typeface="+mn-cs"/>
-                </a:defRPr>
-              </a:lvl9pPr>
-            </a:lstStyle>
-            <a:p>
-              <a:pPr algn="ctr"/>
-              <a:r>
-                <a:rPr lang="en-US" sz="1050" dirty="0">
-                  <a:latin typeface="Segoe UI Light" panose="020B0502040204020203" pitchFamily="34" charset="0"/>
-                  <a:cs typeface="Segoe UI Light" panose="020B0502040204020203" pitchFamily="34" charset="0"/>
-                </a:rPr>
-                <a:t>Metrics &amp; Telemetry</a:t>
-              </a:r>
-            </a:p>
-          </p:txBody>
-        </p:sp>
-        <p:sp>
-          <p:nvSpPr>
             <p:cNvPr id="84" name="TextBox 47">
               <a:extLst>
                 <a:ext uri="{FF2B5EF4-FFF2-40B4-BE49-F238E27FC236}">
@@ -5865,7 +5246,7 @@
           </p:nvSpPr>
           <p:spPr>
             <a:xfrm rot="2425616">
-              <a:off x="3229572" y="4341295"/>
+              <a:off x="3435100" y="4863109"/>
               <a:ext cx="1578177" cy="253916"/>
             </a:xfrm>
             <a:prstGeom prst="rect">
@@ -6000,7 +5381,7 @@
           </p:nvCxnSpPr>
           <p:spPr>
             <a:xfrm flipH="1" flipV="1">
-              <a:off x="2818115" y="4194580"/>
+              <a:off x="3023643" y="4716394"/>
               <a:ext cx="1474398" cy="1260716"/>
             </a:xfrm>
             <a:prstGeom prst="straightConnector1">
@@ -6040,7 +5421,7 @@
           </p:nvSpPr>
           <p:spPr>
             <a:xfrm rot="2468514">
-              <a:off x="2719430" y="4850280"/>
+              <a:off x="2924958" y="5372094"/>
               <a:ext cx="1578177" cy="253916"/>
             </a:xfrm>
             <a:prstGeom prst="rect">
@@ -6175,7 +5556,7 @@
           </p:nvCxnSpPr>
           <p:spPr>
             <a:xfrm>
-              <a:off x="3086778" y="3686697"/>
+              <a:off x="3292306" y="4208511"/>
               <a:ext cx="956116" cy="2428"/>
             </a:xfrm>
             <a:prstGeom prst="straightConnector1">
@@ -6215,7 +5596,7 @@
           </p:nvSpPr>
           <p:spPr>
             <a:xfrm>
-              <a:off x="3938174" y="3325658"/>
+              <a:off x="4143702" y="3847472"/>
               <a:ext cx="1704639" cy="246221"/>
             </a:xfrm>
             <a:prstGeom prst="rect">
@@ -6350,7 +5731,7 @@
           </p:nvCxnSpPr>
           <p:spPr>
             <a:xfrm>
-              <a:off x="5688948" y="3686697"/>
+              <a:off x="5894476" y="4208511"/>
               <a:ext cx="779356" cy="0"/>
             </a:xfrm>
             <a:prstGeom prst="straightConnector1">
@@ -6390,7 +5771,7 @@
           </p:nvSpPr>
           <p:spPr>
             <a:xfrm>
-              <a:off x="5403900" y="3139698"/>
+              <a:off x="5609428" y="3661512"/>
               <a:ext cx="1320682" cy="400110"/>
             </a:xfrm>
             <a:prstGeom prst="rect">
@@ -6535,7 +5916,7 @@
           </p:nvCxnSpPr>
           <p:spPr>
             <a:xfrm flipH="1">
-              <a:off x="3402106" y="3920772"/>
+              <a:off x="3607634" y="4442586"/>
               <a:ext cx="3043736" cy="0"/>
             </a:xfrm>
             <a:prstGeom prst="straightConnector1">
@@ -6575,7 +5956,7 @@
           </p:nvSpPr>
           <p:spPr>
             <a:xfrm>
-              <a:off x="5562435" y="3909972"/>
+              <a:off x="5767963" y="4431786"/>
               <a:ext cx="1320682" cy="246221"/>
             </a:xfrm>
             <a:prstGeom prst="rect">
@@ -6710,13 +6091,16 @@
           </p:nvCxnSpPr>
           <p:spPr>
             <a:xfrm>
-              <a:off x="3147063" y="1915498"/>
-              <a:ext cx="851339" cy="0"/>
+              <a:off x="2058444" y="2350687"/>
+              <a:ext cx="2145486" cy="0"/>
             </a:xfrm>
             <a:prstGeom prst="straightConnector1">
               <a:avLst/>
             </a:prstGeom>
             <a:ln w="38100">
+              <a:solidFill>
+                <a:schemeClr val="accent6"/>
+              </a:solidFill>
               <a:headEnd type="none"/>
               <a:tailEnd type="triangle"/>
             </a:ln>
@@ -6750,7 +6134,7 @@
           </p:nvSpPr>
           <p:spPr>
             <a:xfrm>
-              <a:off x="6498669" y="5815852"/>
+              <a:off x="6704197" y="6337666"/>
               <a:ext cx="886781" cy="246221"/>
             </a:xfrm>
             <a:prstGeom prst="rect">
@@ -6787,7 +6171,7 @@
           </p:nvCxnSpPr>
           <p:spPr>
             <a:xfrm flipV="1">
-              <a:off x="6962480" y="4717134"/>
+              <a:off x="7168008" y="5238948"/>
               <a:ext cx="0" cy="445597"/>
             </a:xfrm>
             <a:prstGeom prst="straightConnector1">
@@ -6844,7 +6228,7 @@
           </p:blipFill>
           <p:spPr>
             <a:xfrm>
-              <a:off x="2286167" y="5151938"/>
+              <a:off x="2491695" y="5673752"/>
               <a:ext cx="547445" cy="547445"/>
             </a:xfrm>
             <a:prstGeom prst="rect">
@@ -6866,7 +6250,7 @@
           </p:nvSpPr>
           <p:spPr>
             <a:xfrm>
-              <a:off x="2096078" y="5712314"/>
+              <a:off x="2301606" y="6234128"/>
               <a:ext cx="907621" cy="246221"/>
             </a:xfrm>
             <a:prstGeom prst="rect">
@@ -6901,7 +6285,7 @@
           </p:nvSpPr>
           <p:spPr>
             <a:xfrm>
-              <a:off x="6942690" y="4816821"/>
+              <a:off x="7148218" y="5338635"/>
               <a:ext cx="537327" cy="246221"/>
             </a:xfrm>
             <a:prstGeom prst="rect">
@@ -6937,7 +6321,7 @@
           </p:nvCxnSpPr>
           <p:spPr>
             <a:xfrm flipV="1">
-              <a:off x="5190505" y="4190601"/>
+              <a:off x="5396033" y="4712415"/>
               <a:ext cx="1291467" cy="1161328"/>
             </a:xfrm>
             <a:prstGeom prst="straightConnector1">
@@ -6983,7 +6367,7 @@
           </p:nvCxnSpPr>
           <p:spPr>
             <a:xfrm>
-              <a:off x="2909027" y="4107706"/>
+              <a:off x="3114555" y="4629520"/>
               <a:ext cx="1459851" cy="1267206"/>
             </a:xfrm>
             <a:prstGeom prst="straightConnector1">
@@ -7027,7 +6411,7 @@
           </p:nvSpPr>
           <p:spPr>
             <a:xfrm rot="19028992">
-              <a:off x="4934968" y="4558892"/>
+              <a:off x="5140496" y="5080706"/>
               <a:ext cx="1578177" cy="253916"/>
             </a:xfrm>
             <a:prstGeom prst="rect">
@@ -7163,7 +6547,7 @@
           </p:nvSpPr>
           <p:spPr>
             <a:xfrm rot="2470090">
-              <a:off x="2907485" y="4508120"/>
+              <a:off x="3113013" y="5029934"/>
               <a:ext cx="1578177" cy="253916"/>
             </a:xfrm>
             <a:prstGeom prst="rect">
@@ -7301,7 +6685,7 @@
           </p:nvCxnSpPr>
           <p:spPr>
             <a:xfrm flipV="1">
-              <a:off x="2576168" y="4633270"/>
+              <a:off x="2781696" y="5155084"/>
               <a:ext cx="0" cy="445597"/>
             </a:xfrm>
             <a:prstGeom prst="straightConnector1">
@@ -7344,7 +6728,7 @@
           </p:nvSpPr>
           <p:spPr>
             <a:xfrm>
-              <a:off x="1964173" y="4743982"/>
+              <a:off x="2169701" y="5265796"/>
               <a:ext cx="537327" cy="246221"/>
             </a:xfrm>
             <a:prstGeom prst="rect">
@@ -7360,6 +6744,2326 @@
               <a:r>
                 <a:rPr lang="en-US" sz="1000" dirty="0"/>
                 <a:t>deploy</a:t>
+              </a:r>
+            </a:p>
+          </p:txBody>
+        </p:sp>
+        <p:sp>
+          <p:nvSpPr>
+            <p:cNvPr id="54" name="TextBox 3">
+              <a:extLst>
+                <a:ext uri="{FF2B5EF4-FFF2-40B4-BE49-F238E27FC236}">
+                  <a16:creationId xmlns:a16="http://schemas.microsoft.com/office/drawing/2014/main" id="{34AEAA64-BC15-44DB-8196-BA4F9B4C8C48}"/>
+                </a:ext>
+              </a:extLst>
+            </p:cNvPr>
+            <p:cNvSpPr txBox="1"/>
+            <p:nvPr/>
+          </p:nvSpPr>
+          <p:spPr>
+            <a:xfrm>
+              <a:off x="1061396" y="2871543"/>
+              <a:ext cx="750333" cy="461665"/>
+            </a:xfrm>
+            <a:prstGeom prst="rect">
+              <a:avLst/>
+            </a:prstGeom>
+            <a:noFill/>
+          </p:spPr>
+          <p:txBody>
+            <a:bodyPr wrap="square" rtlCol="0">
+              <a:spAutoFit/>
+            </a:bodyPr>
+            <a:lstStyle>
+              <a:defPPr>
+                <a:defRPr lang="en-US"/>
+              </a:defPPr>
+              <a:lvl1pPr marL="0" algn="l" defTabSz="457200" rtl="0" eaLnBrk="1" latinLnBrk="0" hangingPunct="1">
+                <a:defRPr sz="1800" kern="1200">
+                  <a:solidFill>
+                    <a:schemeClr val="tx1"/>
+                  </a:solidFill>
+                  <a:latin typeface="+mn-lt"/>
+                  <a:ea typeface="+mn-ea"/>
+                  <a:cs typeface="+mn-cs"/>
+                </a:defRPr>
+              </a:lvl1pPr>
+              <a:lvl2pPr marL="457200" algn="l" defTabSz="457200" rtl="0" eaLnBrk="1" latinLnBrk="0" hangingPunct="1">
+                <a:defRPr sz="1800" kern="1200">
+                  <a:solidFill>
+                    <a:schemeClr val="tx1"/>
+                  </a:solidFill>
+                  <a:latin typeface="+mn-lt"/>
+                  <a:ea typeface="+mn-ea"/>
+                  <a:cs typeface="+mn-cs"/>
+                </a:defRPr>
+              </a:lvl2pPr>
+              <a:lvl3pPr marL="914400" algn="l" defTabSz="457200" rtl="0" eaLnBrk="1" latinLnBrk="0" hangingPunct="1">
+                <a:defRPr sz="1800" kern="1200">
+                  <a:solidFill>
+                    <a:schemeClr val="tx1"/>
+                  </a:solidFill>
+                  <a:latin typeface="+mn-lt"/>
+                  <a:ea typeface="+mn-ea"/>
+                  <a:cs typeface="+mn-cs"/>
+                </a:defRPr>
+              </a:lvl3pPr>
+              <a:lvl4pPr marL="1371600" algn="l" defTabSz="457200" rtl="0" eaLnBrk="1" latinLnBrk="0" hangingPunct="1">
+                <a:defRPr sz="1800" kern="1200">
+                  <a:solidFill>
+                    <a:schemeClr val="tx1"/>
+                  </a:solidFill>
+                  <a:latin typeface="+mn-lt"/>
+                  <a:ea typeface="+mn-ea"/>
+                  <a:cs typeface="+mn-cs"/>
+                </a:defRPr>
+              </a:lvl4pPr>
+              <a:lvl5pPr marL="1828800" algn="l" defTabSz="457200" rtl="0" eaLnBrk="1" latinLnBrk="0" hangingPunct="1">
+                <a:defRPr sz="1800" kern="1200">
+                  <a:solidFill>
+                    <a:schemeClr val="tx1"/>
+                  </a:solidFill>
+                  <a:latin typeface="+mn-lt"/>
+                  <a:ea typeface="+mn-ea"/>
+                  <a:cs typeface="+mn-cs"/>
+                </a:defRPr>
+              </a:lvl5pPr>
+              <a:lvl6pPr marL="2286000" algn="l" defTabSz="457200" rtl="0" eaLnBrk="1" latinLnBrk="0" hangingPunct="1">
+                <a:defRPr sz="1800" kern="1200">
+                  <a:solidFill>
+                    <a:schemeClr val="tx1"/>
+                  </a:solidFill>
+                  <a:latin typeface="+mn-lt"/>
+                  <a:ea typeface="+mn-ea"/>
+                  <a:cs typeface="+mn-cs"/>
+                </a:defRPr>
+              </a:lvl6pPr>
+              <a:lvl7pPr marL="2743200" algn="l" defTabSz="457200" rtl="0" eaLnBrk="1" latinLnBrk="0" hangingPunct="1">
+                <a:defRPr sz="1800" kern="1200">
+                  <a:solidFill>
+                    <a:schemeClr val="tx1"/>
+                  </a:solidFill>
+                  <a:latin typeface="+mn-lt"/>
+                  <a:ea typeface="+mn-ea"/>
+                  <a:cs typeface="+mn-cs"/>
+                </a:defRPr>
+              </a:lvl7pPr>
+              <a:lvl8pPr marL="3200400" algn="l" defTabSz="457200" rtl="0" eaLnBrk="1" latinLnBrk="0" hangingPunct="1">
+                <a:defRPr sz="1800" kern="1200">
+                  <a:solidFill>
+                    <a:schemeClr val="tx1"/>
+                  </a:solidFill>
+                  <a:latin typeface="+mn-lt"/>
+                  <a:ea typeface="+mn-ea"/>
+                  <a:cs typeface="+mn-cs"/>
+                </a:defRPr>
+              </a:lvl8pPr>
+              <a:lvl9pPr marL="3657600" algn="l" defTabSz="457200" rtl="0" eaLnBrk="1" latinLnBrk="0" hangingPunct="1">
+                <a:defRPr sz="1800" kern="1200">
+                  <a:solidFill>
+                    <a:schemeClr val="tx1"/>
+                  </a:solidFill>
+                  <a:latin typeface="+mn-lt"/>
+                  <a:ea typeface="+mn-ea"/>
+                  <a:cs typeface="+mn-cs"/>
+                </a:defRPr>
+              </a:lvl9pPr>
+            </a:lstStyle>
+            <a:p>
+              <a:pPr algn="ctr"/>
+              <a:r>
+                <a:rPr lang="en-US" sz="1200" dirty="0">
+                  <a:latin typeface="Segoe UI Light" panose="020B0502040204020203" pitchFamily="34" charset="0"/>
+                  <a:cs typeface="Segoe UI Light" panose="020B0502040204020203" pitchFamily="34" charset="0"/>
+                </a:rPr>
+                <a:t>External App</a:t>
+              </a:r>
+            </a:p>
+          </p:txBody>
+        </p:sp>
+        <p:pic>
+          <p:nvPicPr>
+            <p:cNvPr id="56" name="Picture 55">
+              <a:extLst>
+                <a:ext uri="{FF2B5EF4-FFF2-40B4-BE49-F238E27FC236}">
+                  <a16:creationId xmlns:a16="http://schemas.microsoft.com/office/drawing/2014/main" id="{98C1254B-C73B-431C-B6C5-327265B10F1C}"/>
+                </a:ext>
+              </a:extLst>
+            </p:cNvPr>
+            <p:cNvPicPr>
+              <a:picLocks noChangeAspect="1"/>
+            </p:cNvPicPr>
+            <p:nvPr/>
+          </p:nvPicPr>
+          <p:blipFill>
+            <a:blip r:embed="rId8">
+              <a:duotone>
+                <a:schemeClr val="accent6">
+                  <a:shade val="45000"/>
+                  <a:satMod val="135000"/>
+                </a:schemeClr>
+                <a:prstClr val="white"/>
+              </a:duotone>
+              <a:extLst>
+                <a:ext uri="{28A0092B-C50C-407E-A947-70E740481C1C}">
+                  <a14:useLocalDpi xmlns:a14="http://schemas.microsoft.com/office/drawing/2010/main" val="0"/>
+                </a:ext>
+              </a:extLst>
+            </a:blip>
+            <a:stretch>
+              <a:fillRect/>
+            </a:stretch>
+          </p:blipFill>
+          <p:spPr>
+            <a:xfrm>
+              <a:off x="249691" y="1911889"/>
+              <a:ext cx="465593" cy="465593"/>
+            </a:xfrm>
+            <a:prstGeom prst="rect">
+              <a:avLst/>
+            </a:prstGeom>
+          </p:spPr>
+        </p:pic>
+        <p:sp>
+          <p:nvSpPr>
+            <p:cNvPr id="58" name="TextBox 33">
+              <a:extLst>
+                <a:ext uri="{FF2B5EF4-FFF2-40B4-BE49-F238E27FC236}">
+                  <a16:creationId xmlns:a16="http://schemas.microsoft.com/office/drawing/2014/main" id="{78FCCB14-ED6C-447D-867A-6F03C19186CC}"/>
+                </a:ext>
+              </a:extLst>
+            </p:cNvPr>
+            <p:cNvSpPr txBox="1"/>
+            <p:nvPr/>
+          </p:nvSpPr>
+          <p:spPr>
+            <a:xfrm>
+              <a:off x="-65355" y="2415696"/>
+              <a:ext cx="1207608" cy="400110"/>
+            </a:xfrm>
+            <a:prstGeom prst="rect">
+              <a:avLst/>
+            </a:prstGeom>
+            <a:noFill/>
+          </p:spPr>
+          <p:txBody>
+            <a:bodyPr wrap="square" rtlCol="0">
+              <a:spAutoFit/>
+            </a:bodyPr>
+            <a:lstStyle>
+              <a:defPPr>
+                <a:defRPr lang="en-US"/>
+              </a:defPPr>
+              <a:lvl1pPr marL="0" algn="l" defTabSz="457200" rtl="0" eaLnBrk="1" latinLnBrk="0" hangingPunct="1">
+                <a:defRPr sz="1800" kern="1200">
+                  <a:solidFill>
+                    <a:schemeClr val="tx1"/>
+                  </a:solidFill>
+                  <a:latin typeface="+mn-lt"/>
+                  <a:ea typeface="+mn-ea"/>
+                  <a:cs typeface="+mn-cs"/>
+                </a:defRPr>
+              </a:lvl1pPr>
+              <a:lvl2pPr marL="457200" algn="l" defTabSz="457200" rtl="0" eaLnBrk="1" latinLnBrk="0" hangingPunct="1">
+                <a:defRPr sz="1800" kern="1200">
+                  <a:solidFill>
+                    <a:schemeClr val="tx1"/>
+                  </a:solidFill>
+                  <a:latin typeface="+mn-lt"/>
+                  <a:ea typeface="+mn-ea"/>
+                  <a:cs typeface="+mn-cs"/>
+                </a:defRPr>
+              </a:lvl2pPr>
+              <a:lvl3pPr marL="914400" algn="l" defTabSz="457200" rtl="0" eaLnBrk="1" latinLnBrk="0" hangingPunct="1">
+                <a:defRPr sz="1800" kern="1200">
+                  <a:solidFill>
+                    <a:schemeClr val="tx1"/>
+                  </a:solidFill>
+                  <a:latin typeface="+mn-lt"/>
+                  <a:ea typeface="+mn-ea"/>
+                  <a:cs typeface="+mn-cs"/>
+                </a:defRPr>
+              </a:lvl3pPr>
+              <a:lvl4pPr marL="1371600" algn="l" defTabSz="457200" rtl="0" eaLnBrk="1" latinLnBrk="0" hangingPunct="1">
+                <a:defRPr sz="1800" kern="1200">
+                  <a:solidFill>
+                    <a:schemeClr val="tx1"/>
+                  </a:solidFill>
+                  <a:latin typeface="+mn-lt"/>
+                  <a:ea typeface="+mn-ea"/>
+                  <a:cs typeface="+mn-cs"/>
+                </a:defRPr>
+              </a:lvl4pPr>
+              <a:lvl5pPr marL="1828800" algn="l" defTabSz="457200" rtl="0" eaLnBrk="1" latinLnBrk="0" hangingPunct="1">
+                <a:defRPr sz="1800" kern="1200">
+                  <a:solidFill>
+                    <a:schemeClr val="tx1"/>
+                  </a:solidFill>
+                  <a:latin typeface="+mn-lt"/>
+                  <a:ea typeface="+mn-ea"/>
+                  <a:cs typeface="+mn-cs"/>
+                </a:defRPr>
+              </a:lvl5pPr>
+              <a:lvl6pPr marL="2286000" algn="l" defTabSz="457200" rtl="0" eaLnBrk="1" latinLnBrk="0" hangingPunct="1">
+                <a:defRPr sz="1800" kern="1200">
+                  <a:solidFill>
+                    <a:schemeClr val="tx1"/>
+                  </a:solidFill>
+                  <a:latin typeface="+mn-lt"/>
+                  <a:ea typeface="+mn-ea"/>
+                  <a:cs typeface="+mn-cs"/>
+                </a:defRPr>
+              </a:lvl6pPr>
+              <a:lvl7pPr marL="2743200" algn="l" defTabSz="457200" rtl="0" eaLnBrk="1" latinLnBrk="0" hangingPunct="1">
+                <a:defRPr sz="1800" kern="1200">
+                  <a:solidFill>
+                    <a:schemeClr val="tx1"/>
+                  </a:solidFill>
+                  <a:latin typeface="+mn-lt"/>
+                  <a:ea typeface="+mn-ea"/>
+                  <a:cs typeface="+mn-cs"/>
+                </a:defRPr>
+              </a:lvl7pPr>
+              <a:lvl8pPr marL="3200400" algn="l" defTabSz="457200" rtl="0" eaLnBrk="1" latinLnBrk="0" hangingPunct="1">
+                <a:defRPr sz="1800" kern="1200">
+                  <a:solidFill>
+                    <a:schemeClr val="tx1"/>
+                  </a:solidFill>
+                  <a:latin typeface="+mn-lt"/>
+                  <a:ea typeface="+mn-ea"/>
+                  <a:cs typeface="+mn-cs"/>
+                </a:defRPr>
+              </a:lvl8pPr>
+              <a:lvl9pPr marL="3657600" algn="l" defTabSz="457200" rtl="0" eaLnBrk="1" latinLnBrk="0" hangingPunct="1">
+                <a:defRPr sz="1800" kern="1200">
+                  <a:solidFill>
+                    <a:schemeClr val="tx1"/>
+                  </a:solidFill>
+                  <a:latin typeface="+mn-lt"/>
+                  <a:ea typeface="+mn-ea"/>
+                  <a:cs typeface="+mn-cs"/>
+                </a:defRPr>
+              </a:lvl9pPr>
+            </a:lstStyle>
+            <a:p>
+              <a:pPr algn="ctr"/>
+              <a:r>
+                <a:rPr lang="de-DE" sz="1000" dirty="0" err="1">
+                  <a:latin typeface="Segoe UI Light" panose="020B0502040204020203" pitchFamily="34" charset="0"/>
+                  <a:cs typeface="Segoe UI Light" panose="020B0502040204020203" pitchFamily="34" charset="0"/>
+                </a:rPr>
+                <a:t>Foreign</a:t>
+              </a:r>
+              <a:r>
+                <a:rPr lang="de-DE" sz="1000" dirty="0">
+                  <a:latin typeface="Segoe UI Light" panose="020B0502040204020203" pitchFamily="34" charset="0"/>
+                  <a:cs typeface="Segoe UI Light" panose="020B0502040204020203" pitchFamily="34" charset="0"/>
+                </a:rPr>
+                <a:t> JWT </a:t>
+              </a:r>
+              <a:r>
+                <a:rPr lang="de-DE" sz="1000" dirty="0" err="1">
+                  <a:latin typeface="Segoe UI Light" panose="020B0502040204020203" pitchFamily="34" charset="0"/>
+                  <a:cs typeface="Segoe UI Light" panose="020B0502040204020203" pitchFamily="34" charset="0"/>
+                </a:rPr>
+                <a:t>Bearer</a:t>
+              </a:r>
+              <a:r>
+                <a:rPr lang="de-DE" sz="1000" dirty="0">
+                  <a:latin typeface="Segoe UI Light" panose="020B0502040204020203" pitchFamily="34" charset="0"/>
+                  <a:cs typeface="Segoe UI Light" panose="020B0502040204020203" pitchFamily="34" charset="0"/>
+                </a:rPr>
+                <a:t> Auth Token </a:t>
+              </a:r>
+              <a:endParaRPr lang="en-US" sz="1000" dirty="0">
+                <a:latin typeface="Segoe UI Light" panose="020B0502040204020203" pitchFamily="34" charset="0"/>
+                <a:cs typeface="Segoe UI Light" panose="020B0502040204020203" pitchFamily="34" charset="0"/>
+              </a:endParaRPr>
+            </a:p>
+          </p:txBody>
+        </p:sp>
+        <p:sp>
+          <p:nvSpPr>
+            <p:cNvPr id="60" name="TextBox 33">
+              <a:extLst>
+                <a:ext uri="{FF2B5EF4-FFF2-40B4-BE49-F238E27FC236}">
+                  <a16:creationId xmlns:a16="http://schemas.microsoft.com/office/drawing/2014/main" id="{02D002ED-0267-431A-981E-67CD17605BF9}"/>
+                </a:ext>
+              </a:extLst>
+            </p:cNvPr>
+            <p:cNvSpPr txBox="1"/>
+            <p:nvPr/>
+          </p:nvSpPr>
+          <p:spPr>
+            <a:xfrm>
+              <a:off x="1050843" y="990109"/>
+              <a:ext cx="970532" cy="461665"/>
+            </a:xfrm>
+            <a:prstGeom prst="rect">
+              <a:avLst/>
+            </a:prstGeom>
+            <a:noFill/>
+          </p:spPr>
+          <p:txBody>
+            <a:bodyPr wrap="square" rtlCol="0">
+              <a:spAutoFit/>
+            </a:bodyPr>
+            <a:lstStyle>
+              <a:defPPr>
+                <a:defRPr lang="en-US"/>
+              </a:defPPr>
+              <a:lvl1pPr marL="0" algn="l" defTabSz="457200" rtl="0" eaLnBrk="1" latinLnBrk="0" hangingPunct="1">
+                <a:defRPr sz="1800" kern="1200">
+                  <a:solidFill>
+                    <a:schemeClr val="tx1"/>
+                  </a:solidFill>
+                  <a:latin typeface="+mn-lt"/>
+                  <a:ea typeface="+mn-ea"/>
+                  <a:cs typeface="+mn-cs"/>
+                </a:defRPr>
+              </a:lvl1pPr>
+              <a:lvl2pPr marL="457200" algn="l" defTabSz="457200" rtl="0" eaLnBrk="1" latinLnBrk="0" hangingPunct="1">
+                <a:defRPr sz="1800" kern="1200">
+                  <a:solidFill>
+                    <a:schemeClr val="tx1"/>
+                  </a:solidFill>
+                  <a:latin typeface="+mn-lt"/>
+                  <a:ea typeface="+mn-ea"/>
+                  <a:cs typeface="+mn-cs"/>
+                </a:defRPr>
+              </a:lvl2pPr>
+              <a:lvl3pPr marL="914400" algn="l" defTabSz="457200" rtl="0" eaLnBrk="1" latinLnBrk="0" hangingPunct="1">
+                <a:defRPr sz="1800" kern="1200">
+                  <a:solidFill>
+                    <a:schemeClr val="tx1"/>
+                  </a:solidFill>
+                  <a:latin typeface="+mn-lt"/>
+                  <a:ea typeface="+mn-ea"/>
+                  <a:cs typeface="+mn-cs"/>
+                </a:defRPr>
+              </a:lvl3pPr>
+              <a:lvl4pPr marL="1371600" algn="l" defTabSz="457200" rtl="0" eaLnBrk="1" latinLnBrk="0" hangingPunct="1">
+                <a:defRPr sz="1800" kern="1200">
+                  <a:solidFill>
+                    <a:schemeClr val="tx1"/>
+                  </a:solidFill>
+                  <a:latin typeface="+mn-lt"/>
+                  <a:ea typeface="+mn-ea"/>
+                  <a:cs typeface="+mn-cs"/>
+                </a:defRPr>
+              </a:lvl4pPr>
+              <a:lvl5pPr marL="1828800" algn="l" defTabSz="457200" rtl="0" eaLnBrk="1" latinLnBrk="0" hangingPunct="1">
+                <a:defRPr sz="1800" kern="1200">
+                  <a:solidFill>
+                    <a:schemeClr val="tx1"/>
+                  </a:solidFill>
+                  <a:latin typeface="+mn-lt"/>
+                  <a:ea typeface="+mn-ea"/>
+                  <a:cs typeface="+mn-cs"/>
+                </a:defRPr>
+              </a:lvl5pPr>
+              <a:lvl6pPr marL="2286000" algn="l" defTabSz="457200" rtl="0" eaLnBrk="1" latinLnBrk="0" hangingPunct="1">
+                <a:defRPr sz="1800" kern="1200">
+                  <a:solidFill>
+                    <a:schemeClr val="tx1"/>
+                  </a:solidFill>
+                  <a:latin typeface="+mn-lt"/>
+                  <a:ea typeface="+mn-ea"/>
+                  <a:cs typeface="+mn-cs"/>
+                </a:defRPr>
+              </a:lvl6pPr>
+              <a:lvl7pPr marL="2743200" algn="l" defTabSz="457200" rtl="0" eaLnBrk="1" latinLnBrk="0" hangingPunct="1">
+                <a:defRPr sz="1800" kern="1200">
+                  <a:solidFill>
+                    <a:schemeClr val="tx1"/>
+                  </a:solidFill>
+                  <a:latin typeface="+mn-lt"/>
+                  <a:ea typeface="+mn-ea"/>
+                  <a:cs typeface="+mn-cs"/>
+                </a:defRPr>
+              </a:lvl7pPr>
+              <a:lvl8pPr marL="3200400" algn="l" defTabSz="457200" rtl="0" eaLnBrk="1" latinLnBrk="0" hangingPunct="1">
+                <a:defRPr sz="1800" kern="1200">
+                  <a:solidFill>
+                    <a:schemeClr val="tx1"/>
+                  </a:solidFill>
+                  <a:latin typeface="+mn-lt"/>
+                  <a:ea typeface="+mn-ea"/>
+                  <a:cs typeface="+mn-cs"/>
+                </a:defRPr>
+              </a:lvl8pPr>
+              <a:lvl9pPr marL="3657600" algn="l" defTabSz="457200" rtl="0" eaLnBrk="1" latinLnBrk="0" hangingPunct="1">
+                <a:defRPr sz="1800" kern="1200">
+                  <a:solidFill>
+                    <a:schemeClr val="tx1"/>
+                  </a:solidFill>
+                  <a:latin typeface="+mn-lt"/>
+                  <a:ea typeface="+mn-ea"/>
+                  <a:cs typeface="+mn-cs"/>
+                </a:defRPr>
+              </a:lvl9pPr>
+            </a:lstStyle>
+            <a:p>
+              <a:pPr algn="ctr"/>
+              <a:r>
+                <a:rPr lang="en-US" sz="1200" dirty="0">
+                  <a:latin typeface="Segoe UI Light" panose="020B0502040204020203" pitchFamily="34" charset="0"/>
+                  <a:cs typeface="Segoe UI Light" panose="020B0502040204020203" pitchFamily="34" charset="0"/>
+                </a:rPr>
+                <a:t>Foreign Token Issuer</a:t>
+              </a:r>
+            </a:p>
+          </p:txBody>
+        </p:sp>
+        <p:pic>
+          <p:nvPicPr>
+            <p:cNvPr id="69" name="Picture 68">
+              <a:extLst>
+                <a:ext uri="{FF2B5EF4-FFF2-40B4-BE49-F238E27FC236}">
+                  <a16:creationId xmlns:a16="http://schemas.microsoft.com/office/drawing/2014/main" id="{5DDC8FA2-3758-4572-B300-EDC94D6D3668}"/>
+                </a:ext>
+              </a:extLst>
+            </p:cNvPr>
+            <p:cNvPicPr>
+              <a:picLocks noChangeAspect="1"/>
+            </p:cNvPicPr>
+            <p:nvPr/>
+          </p:nvPicPr>
+          <p:blipFill>
+            <a:blip r:embed="rId9">
+              <a:duotone>
+                <a:prstClr val="black"/>
+                <a:schemeClr val="accent6">
+                  <a:tint val="45000"/>
+                  <a:satMod val="400000"/>
+                </a:schemeClr>
+              </a:duotone>
+              <a:extLst>
+                <a:ext uri="{28A0092B-C50C-407E-A947-70E740481C1C}">
+                  <a14:useLocalDpi xmlns:a14="http://schemas.microsoft.com/office/drawing/2010/main" val="0"/>
+                </a:ext>
+              </a:extLst>
+            </a:blip>
+            <a:stretch>
+              <a:fillRect/>
+            </a:stretch>
+          </p:blipFill>
+          <p:spPr>
+            <a:xfrm>
+              <a:off x="1145964" y="117685"/>
+              <a:ext cx="780290" cy="780290"/>
+            </a:xfrm>
+            <a:prstGeom prst="rect">
+              <a:avLst/>
+            </a:prstGeom>
+          </p:spPr>
+        </p:pic>
+        <p:sp>
+          <p:nvSpPr>
+            <p:cNvPr id="73" name="TextBox 47">
+              <a:extLst>
+                <a:ext uri="{FF2B5EF4-FFF2-40B4-BE49-F238E27FC236}">
+                  <a16:creationId xmlns:a16="http://schemas.microsoft.com/office/drawing/2014/main" id="{485537BA-F8E7-4FA4-8BEF-840F326D8774}"/>
+                </a:ext>
+              </a:extLst>
+            </p:cNvPr>
+            <p:cNvSpPr txBox="1"/>
+            <p:nvPr/>
+          </p:nvSpPr>
+          <p:spPr>
+            <a:xfrm>
+              <a:off x="2107008" y="1901769"/>
+              <a:ext cx="1714400" cy="415498"/>
+            </a:xfrm>
+            <a:prstGeom prst="rect">
+              <a:avLst/>
+            </a:prstGeom>
+            <a:noFill/>
+          </p:spPr>
+          <p:txBody>
+            <a:bodyPr wrap="square" rtlCol="0">
+              <a:spAutoFit/>
+            </a:bodyPr>
+            <a:lstStyle>
+              <a:defPPr>
+                <a:defRPr lang="en-US"/>
+              </a:defPPr>
+              <a:lvl1pPr marL="0" algn="l" defTabSz="457200" rtl="0" eaLnBrk="1" latinLnBrk="0" hangingPunct="1">
+                <a:defRPr sz="1800" kern="1200">
+                  <a:solidFill>
+                    <a:schemeClr val="tx1"/>
+                  </a:solidFill>
+                  <a:latin typeface="+mn-lt"/>
+                  <a:ea typeface="+mn-ea"/>
+                  <a:cs typeface="+mn-cs"/>
+                </a:defRPr>
+              </a:lvl1pPr>
+              <a:lvl2pPr marL="457200" algn="l" defTabSz="457200" rtl="0" eaLnBrk="1" latinLnBrk="0" hangingPunct="1">
+                <a:defRPr sz="1800" kern="1200">
+                  <a:solidFill>
+                    <a:schemeClr val="tx1"/>
+                  </a:solidFill>
+                  <a:latin typeface="+mn-lt"/>
+                  <a:ea typeface="+mn-ea"/>
+                  <a:cs typeface="+mn-cs"/>
+                </a:defRPr>
+              </a:lvl2pPr>
+              <a:lvl3pPr marL="914400" algn="l" defTabSz="457200" rtl="0" eaLnBrk="1" latinLnBrk="0" hangingPunct="1">
+                <a:defRPr sz="1800" kern="1200">
+                  <a:solidFill>
+                    <a:schemeClr val="tx1"/>
+                  </a:solidFill>
+                  <a:latin typeface="+mn-lt"/>
+                  <a:ea typeface="+mn-ea"/>
+                  <a:cs typeface="+mn-cs"/>
+                </a:defRPr>
+              </a:lvl3pPr>
+              <a:lvl4pPr marL="1371600" algn="l" defTabSz="457200" rtl="0" eaLnBrk="1" latinLnBrk="0" hangingPunct="1">
+                <a:defRPr sz="1800" kern="1200">
+                  <a:solidFill>
+                    <a:schemeClr val="tx1"/>
+                  </a:solidFill>
+                  <a:latin typeface="+mn-lt"/>
+                  <a:ea typeface="+mn-ea"/>
+                  <a:cs typeface="+mn-cs"/>
+                </a:defRPr>
+              </a:lvl4pPr>
+              <a:lvl5pPr marL="1828800" algn="l" defTabSz="457200" rtl="0" eaLnBrk="1" latinLnBrk="0" hangingPunct="1">
+                <a:defRPr sz="1800" kern="1200">
+                  <a:solidFill>
+                    <a:schemeClr val="tx1"/>
+                  </a:solidFill>
+                  <a:latin typeface="+mn-lt"/>
+                  <a:ea typeface="+mn-ea"/>
+                  <a:cs typeface="+mn-cs"/>
+                </a:defRPr>
+              </a:lvl5pPr>
+              <a:lvl6pPr marL="2286000" algn="l" defTabSz="457200" rtl="0" eaLnBrk="1" latinLnBrk="0" hangingPunct="1">
+                <a:defRPr sz="1800" kern="1200">
+                  <a:solidFill>
+                    <a:schemeClr val="tx1"/>
+                  </a:solidFill>
+                  <a:latin typeface="+mn-lt"/>
+                  <a:ea typeface="+mn-ea"/>
+                  <a:cs typeface="+mn-cs"/>
+                </a:defRPr>
+              </a:lvl6pPr>
+              <a:lvl7pPr marL="2743200" algn="l" defTabSz="457200" rtl="0" eaLnBrk="1" latinLnBrk="0" hangingPunct="1">
+                <a:defRPr sz="1800" kern="1200">
+                  <a:solidFill>
+                    <a:schemeClr val="tx1"/>
+                  </a:solidFill>
+                  <a:latin typeface="+mn-lt"/>
+                  <a:ea typeface="+mn-ea"/>
+                  <a:cs typeface="+mn-cs"/>
+                </a:defRPr>
+              </a:lvl7pPr>
+              <a:lvl8pPr marL="3200400" algn="l" defTabSz="457200" rtl="0" eaLnBrk="1" latinLnBrk="0" hangingPunct="1">
+                <a:defRPr sz="1800" kern="1200">
+                  <a:solidFill>
+                    <a:schemeClr val="tx1"/>
+                  </a:solidFill>
+                  <a:latin typeface="+mn-lt"/>
+                  <a:ea typeface="+mn-ea"/>
+                  <a:cs typeface="+mn-cs"/>
+                </a:defRPr>
+              </a:lvl8pPr>
+              <a:lvl9pPr marL="3657600" algn="l" defTabSz="457200" rtl="0" eaLnBrk="1" latinLnBrk="0" hangingPunct="1">
+                <a:defRPr sz="1800" kern="1200">
+                  <a:solidFill>
+                    <a:schemeClr val="tx1"/>
+                  </a:solidFill>
+                  <a:latin typeface="+mn-lt"/>
+                  <a:ea typeface="+mn-ea"/>
+                  <a:cs typeface="+mn-cs"/>
+                </a:defRPr>
+              </a:lvl9pPr>
+            </a:lstStyle>
+            <a:p>
+              <a:pPr algn="ctr"/>
+              <a:r>
+                <a:rPr lang="en-US" sz="1050" dirty="0">
+                  <a:latin typeface="Segoe UI Light" panose="020B0502040204020203" pitchFamily="34" charset="0"/>
+                  <a:cs typeface="Segoe UI Light" panose="020B0502040204020203" pitchFamily="34" charset="0"/>
+                </a:rPr>
+                <a:t>2. App posts request with foreign JTW Bearer Token</a:t>
+              </a:r>
+            </a:p>
+          </p:txBody>
+        </p:sp>
+        <p:cxnSp>
+          <p:nvCxnSpPr>
+            <p:cNvPr id="75" name="Straight Arrow Connector 74">
+              <a:extLst>
+                <a:ext uri="{FF2B5EF4-FFF2-40B4-BE49-F238E27FC236}">
+                  <a16:creationId xmlns:a16="http://schemas.microsoft.com/office/drawing/2014/main" id="{4C099632-C795-406B-AFC4-5EAFB001E7B1}"/>
+                </a:ext>
+              </a:extLst>
+            </p:cNvPr>
+            <p:cNvCxnSpPr>
+              <a:cxnSpLocks/>
+            </p:cNvCxnSpPr>
+            <p:nvPr/>
+          </p:nvCxnSpPr>
+          <p:spPr>
+            <a:xfrm>
+              <a:off x="2058444" y="1367601"/>
+              <a:ext cx="0" cy="922773"/>
+            </a:xfrm>
+            <a:prstGeom prst="straightConnector1">
+              <a:avLst/>
+            </a:prstGeom>
+            <a:ln w="38100">
+              <a:solidFill>
+                <a:schemeClr val="accent6"/>
+              </a:solidFill>
+              <a:headEnd type="none"/>
+              <a:tailEnd type="triangle"/>
+            </a:ln>
+          </p:spPr>
+          <p:style>
+            <a:lnRef idx="1">
+              <a:schemeClr val="accent1"/>
+            </a:lnRef>
+            <a:fillRef idx="0">
+              <a:schemeClr val="accent1"/>
+            </a:fillRef>
+            <a:effectRef idx="0">
+              <a:schemeClr val="accent1"/>
+            </a:effectRef>
+            <a:fontRef idx="minor">
+              <a:schemeClr val="tx1"/>
+            </a:fontRef>
+          </p:style>
+        </p:cxnSp>
+        <p:sp>
+          <p:nvSpPr>
+            <p:cNvPr id="71" name="TextBox 33">
+              <a:extLst>
+                <a:ext uri="{FF2B5EF4-FFF2-40B4-BE49-F238E27FC236}">
+                  <a16:creationId xmlns:a16="http://schemas.microsoft.com/office/drawing/2014/main" id="{B7C5B60D-ADC0-43A0-808A-12617B984881}"/>
+                </a:ext>
+              </a:extLst>
+            </p:cNvPr>
+            <p:cNvSpPr txBox="1"/>
+            <p:nvPr/>
+          </p:nvSpPr>
+          <p:spPr>
+            <a:xfrm>
+              <a:off x="6322617" y="1162523"/>
+              <a:ext cx="1286848" cy="276999"/>
+            </a:xfrm>
+            <a:prstGeom prst="rect">
+              <a:avLst/>
+            </a:prstGeom>
+            <a:noFill/>
+          </p:spPr>
+          <p:txBody>
+            <a:bodyPr wrap="square" rtlCol="0">
+              <a:spAutoFit/>
+            </a:bodyPr>
+            <a:lstStyle>
+              <a:defPPr>
+                <a:defRPr lang="en-US"/>
+              </a:defPPr>
+              <a:lvl1pPr marL="0" algn="l" defTabSz="457200" rtl="0" eaLnBrk="1" latinLnBrk="0" hangingPunct="1">
+                <a:defRPr sz="1800" kern="1200">
+                  <a:solidFill>
+                    <a:schemeClr val="tx1"/>
+                  </a:solidFill>
+                  <a:latin typeface="+mn-lt"/>
+                  <a:ea typeface="+mn-ea"/>
+                  <a:cs typeface="+mn-cs"/>
+                </a:defRPr>
+              </a:lvl1pPr>
+              <a:lvl2pPr marL="457200" algn="l" defTabSz="457200" rtl="0" eaLnBrk="1" latinLnBrk="0" hangingPunct="1">
+                <a:defRPr sz="1800" kern="1200">
+                  <a:solidFill>
+                    <a:schemeClr val="tx1"/>
+                  </a:solidFill>
+                  <a:latin typeface="+mn-lt"/>
+                  <a:ea typeface="+mn-ea"/>
+                  <a:cs typeface="+mn-cs"/>
+                </a:defRPr>
+              </a:lvl2pPr>
+              <a:lvl3pPr marL="914400" algn="l" defTabSz="457200" rtl="0" eaLnBrk="1" latinLnBrk="0" hangingPunct="1">
+                <a:defRPr sz="1800" kern="1200">
+                  <a:solidFill>
+                    <a:schemeClr val="tx1"/>
+                  </a:solidFill>
+                  <a:latin typeface="+mn-lt"/>
+                  <a:ea typeface="+mn-ea"/>
+                  <a:cs typeface="+mn-cs"/>
+                </a:defRPr>
+              </a:lvl3pPr>
+              <a:lvl4pPr marL="1371600" algn="l" defTabSz="457200" rtl="0" eaLnBrk="1" latinLnBrk="0" hangingPunct="1">
+                <a:defRPr sz="1800" kern="1200">
+                  <a:solidFill>
+                    <a:schemeClr val="tx1"/>
+                  </a:solidFill>
+                  <a:latin typeface="+mn-lt"/>
+                  <a:ea typeface="+mn-ea"/>
+                  <a:cs typeface="+mn-cs"/>
+                </a:defRPr>
+              </a:lvl4pPr>
+              <a:lvl5pPr marL="1828800" algn="l" defTabSz="457200" rtl="0" eaLnBrk="1" latinLnBrk="0" hangingPunct="1">
+                <a:defRPr sz="1800" kern="1200">
+                  <a:solidFill>
+                    <a:schemeClr val="tx1"/>
+                  </a:solidFill>
+                  <a:latin typeface="+mn-lt"/>
+                  <a:ea typeface="+mn-ea"/>
+                  <a:cs typeface="+mn-cs"/>
+                </a:defRPr>
+              </a:lvl5pPr>
+              <a:lvl6pPr marL="2286000" algn="l" defTabSz="457200" rtl="0" eaLnBrk="1" latinLnBrk="0" hangingPunct="1">
+                <a:defRPr sz="1800" kern="1200">
+                  <a:solidFill>
+                    <a:schemeClr val="tx1"/>
+                  </a:solidFill>
+                  <a:latin typeface="+mn-lt"/>
+                  <a:ea typeface="+mn-ea"/>
+                  <a:cs typeface="+mn-cs"/>
+                </a:defRPr>
+              </a:lvl6pPr>
+              <a:lvl7pPr marL="2743200" algn="l" defTabSz="457200" rtl="0" eaLnBrk="1" latinLnBrk="0" hangingPunct="1">
+                <a:defRPr sz="1800" kern="1200">
+                  <a:solidFill>
+                    <a:schemeClr val="tx1"/>
+                  </a:solidFill>
+                  <a:latin typeface="+mn-lt"/>
+                  <a:ea typeface="+mn-ea"/>
+                  <a:cs typeface="+mn-cs"/>
+                </a:defRPr>
+              </a:lvl7pPr>
+              <a:lvl8pPr marL="3200400" algn="l" defTabSz="457200" rtl="0" eaLnBrk="1" latinLnBrk="0" hangingPunct="1">
+                <a:defRPr sz="1800" kern="1200">
+                  <a:solidFill>
+                    <a:schemeClr val="tx1"/>
+                  </a:solidFill>
+                  <a:latin typeface="+mn-lt"/>
+                  <a:ea typeface="+mn-ea"/>
+                  <a:cs typeface="+mn-cs"/>
+                </a:defRPr>
+              </a:lvl8pPr>
+              <a:lvl9pPr marL="3657600" algn="l" defTabSz="457200" rtl="0" eaLnBrk="1" latinLnBrk="0" hangingPunct="1">
+                <a:defRPr sz="1800" kern="1200">
+                  <a:solidFill>
+                    <a:schemeClr val="tx1"/>
+                  </a:solidFill>
+                  <a:latin typeface="+mn-lt"/>
+                  <a:ea typeface="+mn-ea"/>
+                  <a:cs typeface="+mn-cs"/>
+                </a:defRPr>
+              </a:lvl9pPr>
+            </a:lstStyle>
+            <a:p>
+              <a:pPr algn="ctr"/>
+              <a:r>
+                <a:rPr lang="en-US" sz="1200" dirty="0">
+                  <a:latin typeface="Segoe UI Light" panose="020B0502040204020203" pitchFamily="34" charset="0"/>
+                  <a:cs typeface="Segoe UI Light" panose="020B0502040204020203" pitchFamily="34" charset="0"/>
+                </a:rPr>
+                <a:t>Corp Azure AD</a:t>
+              </a:r>
+            </a:p>
+          </p:txBody>
+        </p:sp>
+        <p:pic>
+          <p:nvPicPr>
+            <p:cNvPr id="72" name="Picture 71">
+              <a:extLst>
+                <a:ext uri="{FF2B5EF4-FFF2-40B4-BE49-F238E27FC236}">
+                  <a16:creationId xmlns:a16="http://schemas.microsoft.com/office/drawing/2014/main" id="{76891DCB-527D-49CE-B352-1D3CCAF468B4}"/>
+                </a:ext>
+              </a:extLst>
+            </p:cNvPr>
+            <p:cNvPicPr>
+              <a:picLocks noChangeAspect="1"/>
+            </p:cNvPicPr>
+            <p:nvPr/>
+          </p:nvPicPr>
+          <p:blipFill>
+            <a:blip r:embed="rId9">
+              <a:extLst>
+                <a:ext uri="{28A0092B-C50C-407E-A947-70E740481C1C}">
+                  <a14:useLocalDpi xmlns:a14="http://schemas.microsoft.com/office/drawing/2010/main" val="0"/>
+                </a:ext>
+              </a:extLst>
+            </a:blip>
+            <a:stretch>
+              <a:fillRect/>
+            </a:stretch>
+          </p:blipFill>
+          <p:spPr>
+            <a:xfrm>
+              <a:off x="6598355" y="313953"/>
+              <a:ext cx="780290" cy="780290"/>
+            </a:xfrm>
+            <a:prstGeom prst="rect">
+              <a:avLst/>
+            </a:prstGeom>
+          </p:spPr>
+        </p:pic>
+        <p:sp>
+          <p:nvSpPr>
+            <p:cNvPr id="74" name="TextBox 47">
+              <a:extLst>
+                <a:ext uri="{FF2B5EF4-FFF2-40B4-BE49-F238E27FC236}">
+                  <a16:creationId xmlns:a16="http://schemas.microsoft.com/office/drawing/2014/main" id="{E63F4237-FC01-491B-91DD-0D53BE747292}"/>
+                </a:ext>
+              </a:extLst>
+            </p:cNvPr>
+            <p:cNvSpPr txBox="1"/>
+            <p:nvPr/>
+          </p:nvSpPr>
+          <p:spPr>
+            <a:xfrm>
+              <a:off x="288764" y="1505446"/>
+              <a:ext cx="1714400" cy="415498"/>
+            </a:xfrm>
+            <a:prstGeom prst="rect">
+              <a:avLst/>
+            </a:prstGeom>
+            <a:noFill/>
+          </p:spPr>
+          <p:txBody>
+            <a:bodyPr wrap="square" rtlCol="0">
+              <a:spAutoFit/>
+            </a:bodyPr>
+            <a:lstStyle>
+              <a:defPPr>
+                <a:defRPr lang="en-US"/>
+              </a:defPPr>
+              <a:lvl1pPr marL="0" algn="l" defTabSz="457200" rtl="0" eaLnBrk="1" latinLnBrk="0" hangingPunct="1">
+                <a:defRPr sz="1800" kern="1200">
+                  <a:solidFill>
+                    <a:schemeClr val="tx1"/>
+                  </a:solidFill>
+                  <a:latin typeface="+mn-lt"/>
+                  <a:ea typeface="+mn-ea"/>
+                  <a:cs typeface="+mn-cs"/>
+                </a:defRPr>
+              </a:lvl1pPr>
+              <a:lvl2pPr marL="457200" algn="l" defTabSz="457200" rtl="0" eaLnBrk="1" latinLnBrk="0" hangingPunct="1">
+                <a:defRPr sz="1800" kern="1200">
+                  <a:solidFill>
+                    <a:schemeClr val="tx1"/>
+                  </a:solidFill>
+                  <a:latin typeface="+mn-lt"/>
+                  <a:ea typeface="+mn-ea"/>
+                  <a:cs typeface="+mn-cs"/>
+                </a:defRPr>
+              </a:lvl2pPr>
+              <a:lvl3pPr marL="914400" algn="l" defTabSz="457200" rtl="0" eaLnBrk="1" latinLnBrk="0" hangingPunct="1">
+                <a:defRPr sz="1800" kern="1200">
+                  <a:solidFill>
+                    <a:schemeClr val="tx1"/>
+                  </a:solidFill>
+                  <a:latin typeface="+mn-lt"/>
+                  <a:ea typeface="+mn-ea"/>
+                  <a:cs typeface="+mn-cs"/>
+                </a:defRPr>
+              </a:lvl3pPr>
+              <a:lvl4pPr marL="1371600" algn="l" defTabSz="457200" rtl="0" eaLnBrk="1" latinLnBrk="0" hangingPunct="1">
+                <a:defRPr sz="1800" kern="1200">
+                  <a:solidFill>
+                    <a:schemeClr val="tx1"/>
+                  </a:solidFill>
+                  <a:latin typeface="+mn-lt"/>
+                  <a:ea typeface="+mn-ea"/>
+                  <a:cs typeface="+mn-cs"/>
+                </a:defRPr>
+              </a:lvl4pPr>
+              <a:lvl5pPr marL="1828800" algn="l" defTabSz="457200" rtl="0" eaLnBrk="1" latinLnBrk="0" hangingPunct="1">
+                <a:defRPr sz="1800" kern="1200">
+                  <a:solidFill>
+                    <a:schemeClr val="tx1"/>
+                  </a:solidFill>
+                  <a:latin typeface="+mn-lt"/>
+                  <a:ea typeface="+mn-ea"/>
+                  <a:cs typeface="+mn-cs"/>
+                </a:defRPr>
+              </a:lvl5pPr>
+              <a:lvl6pPr marL="2286000" algn="l" defTabSz="457200" rtl="0" eaLnBrk="1" latinLnBrk="0" hangingPunct="1">
+                <a:defRPr sz="1800" kern="1200">
+                  <a:solidFill>
+                    <a:schemeClr val="tx1"/>
+                  </a:solidFill>
+                  <a:latin typeface="+mn-lt"/>
+                  <a:ea typeface="+mn-ea"/>
+                  <a:cs typeface="+mn-cs"/>
+                </a:defRPr>
+              </a:lvl6pPr>
+              <a:lvl7pPr marL="2743200" algn="l" defTabSz="457200" rtl="0" eaLnBrk="1" latinLnBrk="0" hangingPunct="1">
+                <a:defRPr sz="1800" kern="1200">
+                  <a:solidFill>
+                    <a:schemeClr val="tx1"/>
+                  </a:solidFill>
+                  <a:latin typeface="+mn-lt"/>
+                  <a:ea typeface="+mn-ea"/>
+                  <a:cs typeface="+mn-cs"/>
+                </a:defRPr>
+              </a:lvl7pPr>
+              <a:lvl8pPr marL="3200400" algn="l" defTabSz="457200" rtl="0" eaLnBrk="1" latinLnBrk="0" hangingPunct="1">
+                <a:defRPr sz="1800" kern="1200">
+                  <a:solidFill>
+                    <a:schemeClr val="tx1"/>
+                  </a:solidFill>
+                  <a:latin typeface="+mn-lt"/>
+                  <a:ea typeface="+mn-ea"/>
+                  <a:cs typeface="+mn-cs"/>
+                </a:defRPr>
+              </a:lvl8pPr>
+              <a:lvl9pPr marL="3657600" algn="l" defTabSz="457200" rtl="0" eaLnBrk="1" latinLnBrk="0" hangingPunct="1">
+                <a:defRPr sz="1800" kern="1200">
+                  <a:solidFill>
+                    <a:schemeClr val="tx1"/>
+                  </a:solidFill>
+                  <a:latin typeface="+mn-lt"/>
+                  <a:ea typeface="+mn-ea"/>
+                  <a:cs typeface="+mn-cs"/>
+                </a:defRPr>
+              </a:lvl9pPr>
+            </a:lstStyle>
+            <a:p>
+              <a:pPr algn="ctr"/>
+              <a:r>
+                <a:rPr lang="de-DE" sz="1050" dirty="0">
+                  <a:latin typeface="Segoe UI Light" panose="020B0502040204020203" pitchFamily="34" charset="0"/>
+                  <a:cs typeface="Segoe UI Light" panose="020B0502040204020203" pitchFamily="34" charset="0"/>
+                </a:rPr>
+                <a:t>1</a:t>
+              </a:r>
+              <a:r>
+                <a:rPr lang="en-US" sz="1050" dirty="0">
+                  <a:latin typeface="Segoe UI Light" panose="020B0502040204020203" pitchFamily="34" charset="0"/>
+                  <a:cs typeface="Segoe UI Light" panose="020B0502040204020203" pitchFamily="34" charset="0"/>
+                </a:rPr>
+                <a:t>. App Authenticates and receives JWT token</a:t>
+              </a:r>
+            </a:p>
+          </p:txBody>
+        </p:sp>
+        <p:sp>
+          <p:nvSpPr>
+            <p:cNvPr id="76" name="TextBox 47">
+              <a:extLst>
+                <a:ext uri="{FF2B5EF4-FFF2-40B4-BE49-F238E27FC236}">
+                  <a16:creationId xmlns:a16="http://schemas.microsoft.com/office/drawing/2014/main" id="{C005B6EC-17FE-4227-B498-C5ACC34E630C}"/>
+                </a:ext>
+              </a:extLst>
+            </p:cNvPr>
+            <p:cNvSpPr txBox="1"/>
+            <p:nvPr/>
+          </p:nvSpPr>
+          <p:spPr>
+            <a:xfrm rot="2030395">
+              <a:off x="2280943" y="1082120"/>
+              <a:ext cx="1714400" cy="415498"/>
+            </a:xfrm>
+            <a:prstGeom prst="rect">
+              <a:avLst/>
+            </a:prstGeom>
+            <a:noFill/>
+          </p:spPr>
+          <p:txBody>
+            <a:bodyPr wrap="square" rtlCol="0">
+              <a:spAutoFit/>
+            </a:bodyPr>
+            <a:lstStyle>
+              <a:defPPr>
+                <a:defRPr lang="en-US"/>
+              </a:defPPr>
+              <a:lvl1pPr marL="0" algn="l" defTabSz="457200" rtl="0" eaLnBrk="1" latinLnBrk="0" hangingPunct="1">
+                <a:defRPr sz="1800" kern="1200">
+                  <a:solidFill>
+                    <a:schemeClr val="tx1"/>
+                  </a:solidFill>
+                  <a:latin typeface="+mn-lt"/>
+                  <a:ea typeface="+mn-ea"/>
+                  <a:cs typeface="+mn-cs"/>
+                </a:defRPr>
+              </a:lvl1pPr>
+              <a:lvl2pPr marL="457200" algn="l" defTabSz="457200" rtl="0" eaLnBrk="1" latinLnBrk="0" hangingPunct="1">
+                <a:defRPr sz="1800" kern="1200">
+                  <a:solidFill>
+                    <a:schemeClr val="tx1"/>
+                  </a:solidFill>
+                  <a:latin typeface="+mn-lt"/>
+                  <a:ea typeface="+mn-ea"/>
+                  <a:cs typeface="+mn-cs"/>
+                </a:defRPr>
+              </a:lvl2pPr>
+              <a:lvl3pPr marL="914400" algn="l" defTabSz="457200" rtl="0" eaLnBrk="1" latinLnBrk="0" hangingPunct="1">
+                <a:defRPr sz="1800" kern="1200">
+                  <a:solidFill>
+                    <a:schemeClr val="tx1"/>
+                  </a:solidFill>
+                  <a:latin typeface="+mn-lt"/>
+                  <a:ea typeface="+mn-ea"/>
+                  <a:cs typeface="+mn-cs"/>
+                </a:defRPr>
+              </a:lvl3pPr>
+              <a:lvl4pPr marL="1371600" algn="l" defTabSz="457200" rtl="0" eaLnBrk="1" latinLnBrk="0" hangingPunct="1">
+                <a:defRPr sz="1800" kern="1200">
+                  <a:solidFill>
+                    <a:schemeClr val="tx1"/>
+                  </a:solidFill>
+                  <a:latin typeface="+mn-lt"/>
+                  <a:ea typeface="+mn-ea"/>
+                  <a:cs typeface="+mn-cs"/>
+                </a:defRPr>
+              </a:lvl4pPr>
+              <a:lvl5pPr marL="1828800" algn="l" defTabSz="457200" rtl="0" eaLnBrk="1" latinLnBrk="0" hangingPunct="1">
+                <a:defRPr sz="1800" kern="1200">
+                  <a:solidFill>
+                    <a:schemeClr val="tx1"/>
+                  </a:solidFill>
+                  <a:latin typeface="+mn-lt"/>
+                  <a:ea typeface="+mn-ea"/>
+                  <a:cs typeface="+mn-cs"/>
+                </a:defRPr>
+              </a:lvl5pPr>
+              <a:lvl6pPr marL="2286000" algn="l" defTabSz="457200" rtl="0" eaLnBrk="1" latinLnBrk="0" hangingPunct="1">
+                <a:defRPr sz="1800" kern="1200">
+                  <a:solidFill>
+                    <a:schemeClr val="tx1"/>
+                  </a:solidFill>
+                  <a:latin typeface="+mn-lt"/>
+                  <a:ea typeface="+mn-ea"/>
+                  <a:cs typeface="+mn-cs"/>
+                </a:defRPr>
+              </a:lvl6pPr>
+              <a:lvl7pPr marL="2743200" algn="l" defTabSz="457200" rtl="0" eaLnBrk="1" latinLnBrk="0" hangingPunct="1">
+                <a:defRPr sz="1800" kern="1200">
+                  <a:solidFill>
+                    <a:schemeClr val="tx1"/>
+                  </a:solidFill>
+                  <a:latin typeface="+mn-lt"/>
+                  <a:ea typeface="+mn-ea"/>
+                  <a:cs typeface="+mn-cs"/>
+                </a:defRPr>
+              </a:lvl7pPr>
+              <a:lvl8pPr marL="3200400" algn="l" defTabSz="457200" rtl="0" eaLnBrk="1" latinLnBrk="0" hangingPunct="1">
+                <a:defRPr sz="1800" kern="1200">
+                  <a:solidFill>
+                    <a:schemeClr val="tx1"/>
+                  </a:solidFill>
+                  <a:latin typeface="+mn-lt"/>
+                  <a:ea typeface="+mn-ea"/>
+                  <a:cs typeface="+mn-cs"/>
+                </a:defRPr>
+              </a:lvl8pPr>
+              <a:lvl9pPr marL="3657600" algn="l" defTabSz="457200" rtl="0" eaLnBrk="1" latinLnBrk="0" hangingPunct="1">
+                <a:defRPr sz="1800" kern="1200">
+                  <a:solidFill>
+                    <a:schemeClr val="tx1"/>
+                  </a:solidFill>
+                  <a:latin typeface="+mn-lt"/>
+                  <a:ea typeface="+mn-ea"/>
+                  <a:cs typeface="+mn-cs"/>
+                </a:defRPr>
+              </a:lvl9pPr>
+            </a:lstStyle>
+            <a:p>
+              <a:pPr algn="ctr"/>
+              <a:r>
+                <a:rPr lang="de-DE" sz="1050" dirty="0">
+                  <a:latin typeface="Segoe UI Light" panose="020B0502040204020203" pitchFamily="34" charset="0"/>
+                  <a:cs typeface="Segoe UI Light" panose="020B0502040204020203" pitchFamily="34" charset="0"/>
+                </a:rPr>
+                <a:t>3</a:t>
+              </a:r>
+              <a:r>
+                <a:rPr lang="en-US" sz="1050" dirty="0">
+                  <a:latin typeface="Segoe UI Light" panose="020B0502040204020203" pitchFamily="34" charset="0"/>
+                  <a:cs typeface="Segoe UI Light" panose="020B0502040204020203" pitchFamily="34" charset="0"/>
+                </a:rPr>
+                <a:t>. Foreign JTW Token Validation</a:t>
+              </a:r>
+            </a:p>
+          </p:txBody>
+        </p:sp>
+        <p:cxnSp>
+          <p:nvCxnSpPr>
+            <p:cNvPr id="78" name="Straight Arrow Connector 77">
+              <a:extLst>
+                <a:ext uri="{FF2B5EF4-FFF2-40B4-BE49-F238E27FC236}">
+                  <a16:creationId xmlns:a16="http://schemas.microsoft.com/office/drawing/2014/main" id="{85D3C800-089F-4533-BDC9-EF8830562876}"/>
+                </a:ext>
+              </a:extLst>
+            </p:cNvPr>
+            <p:cNvCxnSpPr>
+              <a:cxnSpLocks/>
+            </p:cNvCxnSpPr>
+            <p:nvPr/>
+          </p:nvCxnSpPr>
+          <p:spPr>
+            <a:xfrm flipH="1" flipV="1">
+              <a:off x="1941216" y="809212"/>
+              <a:ext cx="1949479" cy="1256967"/>
+            </a:xfrm>
+            <a:prstGeom prst="straightConnector1">
+              <a:avLst/>
+            </a:prstGeom>
+            <a:ln w="38100">
+              <a:solidFill>
+                <a:schemeClr val="accent6"/>
+              </a:solidFill>
+              <a:prstDash val="sysDash"/>
+              <a:headEnd type="none"/>
+              <a:tailEnd type="triangle"/>
+            </a:ln>
+          </p:spPr>
+          <p:style>
+            <a:lnRef idx="1">
+              <a:schemeClr val="accent1"/>
+            </a:lnRef>
+            <a:fillRef idx="0">
+              <a:schemeClr val="accent1"/>
+            </a:fillRef>
+            <a:effectRef idx="0">
+              <a:schemeClr val="accent1"/>
+            </a:effectRef>
+            <a:fontRef idx="minor">
+              <a:schemeClr val="tx1"/>
+            </a:fontRef>
+          </p:style>
+        </p:cxnSp>
+        <p:cxnSp>
+          <p:nvCxnSpPr>
+            <p:cNvPr id="79" name="Straight Arrow Connector 78">
+              <a:extLst>
+                <a:ext uri="{FF2B5EF4-FFF2-40B4-BE49-F238E27FC236}">
+                  <a16:creationId xmlns:a16="http://schemas.microsoft.com/office/drawing/2014/main" id="{31652A9E-A0D5-4A3B-B063-4A77426FA6BE}"/>
+                </a:ext>
+              </a:extLst>
+            </p:cNvPr>
+            <p:cNvCxnSpPr>
+              <a:cxnSpLocks/>
+            </p:cNvCxnSpPr>
+            <p:nvPr/>
+          </p:nvCxnSpPr>
+          <p:spPr>
+            <a:xfrm flipV="1">
+              <a:off x="4631797" y="907600"/>
+              <a:ext cx="1671377" cy="1002348"/>
+            </a:xfrm>
+            <a:prstGeom prst="straightConnector1">
+              <a:avLst/>
+            </a:prstGeom>
+            <a:ln w="38100">
+              <a:solidFill>
+                <a:schemeClr val="accent6"/>
+              </a:solidFill>
+              <a:prstDash val="sysDash"/>
+              <a:headEnd type="none"/>
+              <a:tailEnd type="triangle"/>
+            </a:ln>
+          </p:spPr>
+          <p:style>
+            <a:lnRef idx="1">
+              <a:schemeClr val="accent1"/>
+            </a:lnRef>
+            <a:fillRef idx="0">
+              <a:schemeClr val="accent1"/>
+            </a:fillRef>
+            <a:effectRef idx="0">
+              <a:schemeClr val="accent1"/>
+            </a:effectRef>
+            <a:fontRef idx="minor">
+              <a:schemeClr val="tx1"/>
+            </a:fontRef>
+          </p:style>
+        </p:cxnSp>
+        <p:sp>
+          <p:nvSpPr>
+            <p:cNvPr id="80" name="TextBox 47">
+              <a:extLst>
+                <a:ext uri="{FF2B5EF4-FFF2-40B4-BE49-F238E27FC236}">
+                  <a16:creationId xmlns:a16="http://schemas.microsoft.com/office/drawing/2014/main" id="{A26D7E77-93B4-43E0-90E8-EA98705F78D6}"/>
+                </a:ext>
+              </a:extLst>
+            </p:cNvPr>
+            <p:cNvSpPr txBox="1"/>
+            <p:nvPr/>
+          </p:nvSpPr>
+          <p:spPr>
+            <a:xfrm rot="19791207">
+              <a:off x="4224632" y="982137"/>
+              <a:ext cx="1714400" cy="577081"/>
+            </a:xfrm>
+            <a:prstGeom prst="rect">
+              <a:avLst/>
+            </a:prstGeom>
+            <a:noFill/>
+          </p:spPr>
+          <p:txBody>
+            <a:bodyPr wrap="square" rtlCol="0">
+              <a:spAutoFit/>
+            </a:bodyPr>
+            <a:lstStyle>
+              <a:defPPr>
+                <a:defRPr lang="en-US"/>
+              </a:defPPr>
+              <a:lvl1pPr marL="0" algn="l" defTabSz="457200" rtl="0" eaLnBrk="1" latinLnBrk="0" hangingPunct="1">
+                <a:defRPr sz="1800" kern="1200">
+                  <a:solidFill>
+                    <a:schemeClr val="tx1"/>
+                  </a:solidFill>
+                  <a:latin typeface="+mn-lt"/>
+                  <a:ea typeface="+mn-ea"/>
+                  <a:cs typeface="+mn-cs"/>
+                </a:defRPr>
+              </a:lvl1pPr>
+              <a:lvl2pPr marL="457200" algn="l" defTabSz="457200" rtl="0" eaLnBrk="1" latinLnBrk="0" hangingPunct="1">
+                <a:defRPr sz="1800" kern="1200">
+                  <a:solidFill>
+                    <a:schemeClr val="tx1"/>
+                  </a:solidFill>
+                  <a:latin typeface="+mn-lt"/>
+                  <a:ea typeface="+mn-ea"/>
+                  <a:cs typeface="+mn-cs"/>
+                </a:defRPr>
+              </a:lvl2pPr>
+              <a:lvl3pPr marL="914400" algn="l" defTabSz="457200" rtl="0" eaLnBrk="1" latinLnBrk="0" hangingPunct="1">
+                <a:defRPr sz="1800" kern="1200">
+                  <a:solidFill>
+                    <a:schemeClr val="tx1"/>
+                  </a:solidFill>
+                  <a:latin typeface="+mn-lt"/>
+                  <a:ea typeface="+mn-ea"/>
+                  <a:cs typeface="+mn-cs"/>
+                </a:defRPr>
+              </a:lvl3pPr>
+              <a:lvl4pPr marL="1371600" algn="l" defTabSz="457200" rtl="0" eaLnBrk="1" latinLnBrk="0" hangingPunct="1">
+                <a:defRPr sz="1800" kern="1200">
+                  <a:solidFill>
+                    <a:schemeClr val="tx1"/>
+                  </a:solidFill>
+                  <a:latin typeface="+mn-lt"/>
+                  <a:ea typeface="+mn-ea"/>
+                  <a:cs typeface="+mn-cs"/>
+                </a:defRPr>
+              </a:lvl4pPr>
+              <a:lvl5pPr marL="1828800" algn="l" defTabSz="457200" rtl="0" eaLnBrk="1" latinLnBrk="0" hangingPunct="1">
+                <a:defRPr sz="1800" kern="1200">
+                  <a:solidFill>
+                    <a:schemeClr val="tx1"/>
+                  </a:solidFill>
+                  <a:latin typeface="+mn-lt"/>
+                  <a:ea typeface="+mn-ea"/>
+                  <a:cs typeface="+mn-cs"/>
+                </a:defRPr>
+              </a:lvl5pPr>
+              <a:lvl6pPr marL="2286000" algn="l" defTabSz="457200" rtl="0" eaLnBrk="1" latinLnBrk="0" hangingPunct="1">
+                <a:defRPr sz="1800" kern="1200">
+                  <a:solidFill>
+                    <a:schemeClr val="tx1"/>
+                  </a:solidFill>
+                  <a:latin typeface="+mn-lt"/>
+                  <a:ea typeface="+mn-ea"/>
+                  <a:cs typeface="+mn-cs"/>
+                </a:defRPr>
+              </a:lvl6pPr>
+              <a:lvl7pPr marL="2743200" algn="l" defTabSz="457200" rtl="0" eaLnBrk="1" latinLnBrk="0" hangingPunct="1">
+                <a:defRPr sz="1800" kern="1200">
+                  <a:solidFill>
+                    <a:schemeClr val="tx1"/>
+                  </a:solidFill>
+                  <a:latin typeface="+mn-lt"/>
+                  <a:ea typeface="+mn-ea"/>
+                  <a:cs typeface="+mn-cs"/>
+                </a:defRPr>
+              </a:lvl7pPr>
+              <a:lvl8pPr marL="3200400" algn="l" defTabSz="457200" rtl="0" eaLnBrk="1" latinLnBrk="0" hangingPunct="1">
+                <a:defRPr sz="1800" kern="1200">
+                  <a:solidFill>
+                    <a:schemeClr val="tx1"/>
+                  </a:solidFill>
+                  <a:latin typeface="+mn-lt"/>
+                  <a:ea typeface="+mn-ea"/>
+                  <a:cs typeface="+mn-cs"/>
+                </a:defRPr>
+              </a:lvl8pPr>
+              <a:lvl9pPr marL="3657600" algn="l" defTabSz="457200" rtl="0" eaLnBrk="1" latinLnBrk="0" hangingPunct="1">
+                <a:defRPr sz="1800" kern="1200">
+                  <a:solidFill>
+                    <a:schemeClr val="tx1"/>
+                  </a:solidFill>
+                  <a:latin typeface="+mn-lt"/>
+                  <a:ea typeface="+mn-ea"/>
+                  <a:cs typeface="+mn-cs"/>
+                </a:defRPr>
+              </a:lvl9pPr>
+            </a:lstStyle>
+            <a:p>
+              <a:pPr algn="ctr"/>
+              <a:r>
+                <a:rPr lang="de-DE" sz="1050" dirty="0">
+                  <a:latin typeface="Segoe UI Light" panose="020B0502040204020203" pitchFamily="34" charset="0"/>
+                  <a:cs typeface="Segoe UI Light" panose="020B0502040204020203" pitchFamily="34" charset="0"/>
+                </a:rPr>
+                <a:t>4. Send Request </a:t>
+              </a:r>
+              <a:r>
+                <a:rPr lang="de-DE" sz="1050" dirty="0" err="1">
+                  <a:latin typeface="Segoe UI Light" panose="020B0502040204020203" pitchFamily="34" charset="0"/>
+                  <a:cs typeface="Segoe UI Light" panose="020B0502040204020203" pitchFamily="34" charset="0"/>
+                </a:rPr>
+                <a:t>for</a:t>
+              </a:r>
+              <a:r>
+                <a:rPr lang="de-DE" sz="1050" dirty="0">
+                  <a:latin typeface="Segoe UI Light" panose="020B0502040204020203" pitchFamily="34" charset="0"/>
+                  <a:cs typeface="Segoe UI Light" panose="020B0502040204020203" pitchFamily="34" charset="0"/>
+                </a:rPr>
+                <a:t> </a:t>
+              </a:r>
+              <a:r>
+                <a:rPr lang="de-DE" sz="1050" dirty="0" err="1">
+                  <a:latin typeface="Segoe UI Light" panose="020B0502040204020203" pitchFamily="34" charset="0"/>
+                  <a:cs typeface="Segoe UI Light" panose="020B0502040204020203" pitchFamily="34" charset="0"/>
+                </a:rPr>
+                <a:t>new</a:t>
+              </a:r>
+              <a:r>
+                <a:rPr lang="de-DE" sz="1050" dirty="0">
+                  <a:latin typeface="Segoe UI Light" panose="020B0502040204020203" pitchFamily="34" charset="0"/>
+                  <a:cs typeface="Segoe UI Light" panose="020B0502040204020203" pitchFamily="34" charset="0"/>
+                </a:rPr>
+                <a:t> </a:t>
+              </a:r>
+              <a:r>
+                <a:rPr lang="de-DE" sz="1050" dirty="0" err="1">
+                  <a:latin typeface="Segoe UI Light" panose="020B0502040204020203" pitchFamily="34" charset="0"/>
+                  <a:cs typeface="Segoe UI Light" panose="020B0502040204020203" pitchFamily="34" charset="0"/>
+                </a:rPr>
+                <a:t>Corp</a:t>
+              </a:r>
+              <a:r>
+                <a:rPr lang="de-DE" sz="1050" dirty="0">
+                  <a:latin typeface="Segoe UI Light" panose="020B0502040204020203" pitchFamily="34" charset="0"/>
+                  <a:cs typeface="Segoe UI Light" panose="020B0502040204020203" pitchFamily="34" charset="0"/>
+                </a:rPr>
+                <a:t> </a:t>
+              </a:r>
+              <a:r>
+                <a:rPr lang="de-DE" sz="1050" dirty="0" err="1">
+                  <a:latin typeface="Segoe UI Light" panose="020B0502040204020203" pitchFamily="34" charset="0"/>
+                  <a:cs typeface="Segoe UI Light" panose="020B0502040204020203" pitchFamily="34" charset="0"/>
+                </a:rPr>
+                <a:t>Bearer</a:t>
+              </a:r>
+              <a:r>
+                <a:rPr lang="de-DE" sz="1050" dirty="0">
+                  <a:latin typeface="Segoe UI Light" panose="020B0502040204020203" pitchFamily="34" charset="0"/>
+                  <a:cs typeface="Segoe UI Light" panose="020B0502040204020203" pitchFamily="34" charset="0"/>
+                </a:rPr>
+                <a:t> Token </a:t>
+              </a:r>
+              <a:r>
+                <a:rPr lang="de-DE" sz="1050" dirty="0" err="1">
+                  <a:latin typeface="Segoe UI Light" panose="020B0502040204020203" pitchFamily="34" charset="0"/>
+                  <a:cs typeface="Segoe UI Light" panose="020B0502040204020203" pitchFamily="34" charset="0"/>
+                </a:rPr>
+                <a:t>with</a:t>
+              </a:r>
+              <a:r>
+                <a:rPr lang="de-DE" sz="1050" dirty="0">
+                  <a:latin typeface="Segoe UI Light" panose="020B0502040204020203" pitchFamily="34" charset="0"/>
+                  <a:cs typeface="Segoe UI Light" panose="020B0502040204020203" pitchFamily="34" charset="0"/>
+                </a:rPr>
+                <a:t> </a:t>
+              </a:r>
+              <a:r>
+                <a:rPr lang="de-DE" sz="1050" dirty="0" err="1">
+                  <a:latin typeface="Segoe UI Light" panose="020B0502040204020203" pitchFamily="34" charset="0"/>
+                  <a:cs typeface="Segoe UI Light" panose="020B0502040204020203" pitchFamily="34" charset="0"/>
+                </a:rPr>
+                <a:t>client</a:t>
+              </a:r>
+              <a:r>
+                <a:rPr lang="de-DE" sz="1050" dirty="0">
+                  <a:latin typeface="Segoe UI Light" panose="020B0502040204020203" pitchFamily="34" charset="0"/>
+                  <a:cs typeface="Segoe UI Light" panose="020B0502040204020203" pitchFamily="34" charset="0"/>
+                </a:rPr>
+                <a:t> </a:t>
+              </a:r>
+              <a:r>
+                <a:rPr lang="de-DE" sz="1050" dirty="0" err="1">
+                  <a:latin typeface="Segoe UI Light" panose="020B0502040204020203" pitchFamily="34" charset="0"/>
+                  <a:cs typeface="Segoe UI Light" panose="020B0502040204020203" pitchFamily="34" charset="0"/>
+                </a:rPr>
+                <a:t>credentials</a:t>
+              </a:r>
+              <a:r>
+                <a:rPr lang="de-DE" sz="1050" dirty="0">
+                  <a:latin typeface="Segoe UI Light" panose="020B0502040204020203" pitchFamily="34" charset="0"/>
+                  <a:cs typeface="Segoe UI Light" panose="020B0502040204020203" pitchFamily="34" charset="0"/>
+                </a:rPr>
+                <a:t> </a:t>
+              </a:r>
+              <a:r>
+                <a:rPr lang="de-DE" sz="1050" dirty="0" err="1">
+                  <a:latin typeface="Segoe UI Light" panose="020B0502040204020203" pitchFamily="34" charset="0"/>
+                  <a:cs typeface="Segoe UI Light" panose="020B0502040204020203" pitchFamily="34" charset="0"/>
+                </a:rPr>
+                <a:t>flow</a:t>
+              </a:r>
+              <a:endParaRPr lang="en-US" sz="1050" dirty="0">
+                <a:latin typeface="Segoe UI Light" panose="020B0502040204020203" pitchFamily="34" charset="0"/>
+                <a:cs typeface="Segoe UI Light" panose="020B0502040204020203" pitchFamily="34" charset="0"/>
+              </a:endParaRPr>
+            </a:p>
+          </p:txBody>
+        </p:sp>
+        <p:cxnSp>
+          <p:nvCxnSpPr>
+            <p:cNvPr id="81" name="Straight Arrow Connector 80">
+              <a:extLst>
+                <a:ext uri="{FF2B5EF4-FFF2-40B4-BE49-F238E27FC236}">
+                  <a16:creationId xmlns:a16="http://schemas.microsoft.com/office/drawing/2014/main" id="{EA73D97D-85A1-4273-BD10-2A13EA663AF6}"/>
+                </a:ext>
+              </a:extLst>
+            </p:cNvPr>
+            <p:cNvCxnSpPr>
+              <a:cxnSpLocks/>
+            </p:cNvCxnSpPr>
+            <p:nvPr/>
+          </p:nvCxnSpPr>
+          <p:spPr>
+            <a:xfrm flipH="1">
+              <a:off x="5430717" y="1408774"/>
+              <a:ext cx="861035" cy="538803"/>
+            </a:xfrm>
+            <a:prstGeom prst="straightConnector1">
+              <a:avLst/>
+            </a:prstGeom>
+            <a:ln w="38100">
+              <a:solidFill>
+                <a:schemeClr val="accent6"/>
+              </a:solidFill>
+              <a:prstDash val="sysDash"/>
+              <a:headEnd type="none"/>
+              <a:tailEnd type="triangle"/>
+            </a:ln>
+          </p:spPr>
+          <p:style>
+            <a:lnRef idx="1">
+              <a:schemeClr val="accent1"/>
+            </a:lnRef>
+            <a:fillRef idx="0">
+              <a:schemeClr val="accent1"/>
+            </a:fillRef>
+            <a:effectRef idx="0">
+              <a:schemeClr val="accent1"/>
+            </a:effectRef>
+            <a:fontRef idx="minor">
+              <a:schemeClr val="tx1"/>
+            </a:fontRef>
+          </p:style>
+        </p:cxnSp>
+        <p:sp>
+          <p:nvSpPr>
+            <p:cNvPr id="82" name="TextBox 47">
+              <a:extLst>
+                <a:ext uri="{FF2B5EF4-FFF2-40B4-BE49-F238E27FC236}">
+                  <a16:creationId xmlns:a16="http://schemas.microsoft.com/office/drawing/2014/main" id="{7FCF3569-C1F5-432B-94C3-35DE89D15279}"/>
+                </a:ext>
+              </a:extLst>
+            </p:cNvPr>
+            <p:cNvSpPr txBox="1"/>
+            <p:nvPr/>
+          </p:nvSpPr>
+          <p:spPr>
+            <a:xfrm>
+              <a:off x="5909720" y="1595417"/>
+              <a:ext cx="1714400" cy="415498"/>
+            </a:xfrm>
+            <a:prstGeom prst="rect">
+              <a:avLst/>
+            </a:prstGeom>
+            <a:noFill/>
+          </p:spPr>
+          <p:txBody>
+            <a:bodyPr wrap="square" rtlCol="0">
+              <a:spAutoFit/>
+            </a:bodyPr>
+            <a:lstStyle>
+              <a:defPPr>
+                <a:defRPr lang="en-US"/>
+              </a:defPPr>
+              <a:lvl1pPr marL="0" algn="l" defTabSz="457200" rtl="0" eaLnBrk="1" latinLnBrk="0" hangingPunct="1">
+                <a:defRPr sz="1800" kern="1200">
+                  <a:solidFill>
+                    <a:schemeClr val="tx1"/>
+                  </a:solidFill>
+                  <a:latin typeface="+mn-lt"/>
+                  <a:ea typeface="+mn-ea"/>
+                  <a:cs typeface="+mn-cs"/>
+                </a:defRPr>
+              </a:lvl1pPr>
+              <a:lvl2pPr marL="457200" algn="l" defTabSz="457200" rtl="0" eaLnBrk="1" latinLnBrk="0" hangingPunct="1">
+                <a:defRPr sz="1800" kern="1200">
+                  <a:solidFill>
+                    <a:schemeClr val="tx1"/>
+                  </a:solidFill>
+                  <a:latin typeface="+mn-lt"/>
+                  <a:ea typeface="+mn-ea"/>
+                  <a:cs typeface="+mn-cs"/>
+                </a:defRPr>
+              </a:lvl2pPr>
+              <a:lvl3pPr marL="914400" algn="l" defTabSz="457200" rtl="0" eaLnBrk="1" latinLnBrk="0" hangingPunct="1">
+                <a:defRPr sz="1800" kern="1200">
+                  <a:solidFill>
+                    <a:schemeClr val="tx1"/>
+                  </a:solidFill>
+                  <a:latin typeface="+mn-lt"/>
+                  <a:ea typeface="+mn-ea"/>
+                  <a:cs typeface="+mn-cs"/>
+                </a:defRPr>
+              </a:lvl3pPr>
+              <a:lvl4pPr marL="1371600" algn="l" defTabSz="457200" rtl="0" eaLnBrk="1" latinLnBrk="0" hangingPunct="1">
+                <a:defRPr sz="1800" kern="1200">
+                  <a:solidFill>
+                    <a:schemeClr val="tx1"/>
+                  </a:solidFill>
+                  <a:latin typeface="+mn-lt"/>
+                  <a:ea typeface="+mn-ea"/>
+                  <a:cs typeface="+mn-cs"/>
+                </a:defRPr>
+              </a:lvl4pPr>
+              <a:lvl5pPr marL="1828800" algn="l" defTabSz="457200" rtl="0" eaLnBrk="1" latinLnBrk="0" hangingPunct="1">
+                <a:defRPr sz="1800" kern="1200">
+                  <a:solidFill>
+                    <a:schemeClr val="tx1"/>
+                  </a:solidFill>
+                  <a:latin typeface="+mn-lt"/>
+                  <a:ea typeface="+mn-ea"/>
+                  <a:cs typeface="+mn-cs"/>
+                </a:defRPr>
+              </a:lvl5pPr>
+              <a:lvl6pPr marL="2286000" algn="l" defTabSz="457200" rtl="0" eaLnBrk="1" latinLnBrk="0" hangingPunct="1">
+                <a:defRPr sz="1800" kern="1200">
+                  <a:solidFill>
+                    <a:schemeClr val="tx1"/>
+                  </a:solidFill>
+                  <a:latin typeface="+mn-lt"/>
+                  <a:ea typeface="+mn-ea"/>
+                  <a:cs typeface="+mn-cs"/>
+                </a:defRPr>
+              </a:lvl6pPr>
+              <a:lvl7pPr marL="2743200" algn="l" defTabSz="457200" rtl="0" eaLnBrk="1" latinLnBrk="0" hangingPunct="1">
+                <a:defRPr sz="1800" kern="1200">
+                  <a:solidFill>
+                    <a:schemeClr val="tx1"/>
+                  </a:solidFill>
+                  <a:latin typeface="+mn-lt"/>
+                  <a:ea typeface="+mn-ea"/>
+                  <a:cs typeface="+mn-cs"/>
+                </a:defRPr>
+              </a:lvl7pPr>
+              <a:lvl8pPr marL="3200400" algn="l" defTabSz="457200" rtl="0" eaLnBrk="1" latinLnBrk="0" hangingPunct="1">
+                <a:defRPr sz="1800" kern="1200">
+                  <a:solidFill>
+                    <a:schemeClr val="tx1"/>
+                  </a:solidFill>
+                  <a:latin typeface="+mn-lt"/>
+                  <a:ea typeface="+mn-ea"/>
+                  <a:cs typeface="+mn-cs"/>
+                </a:defRPr>
+              </a:lvl8pPr>
+              <a:lvl9pPr marL="3657600" algn="l" defTabSz="457200" rtl="0" eaLnBrk="1" latinLnBrk="0" hangingPunct="1">
+                <a:defRPr sz="1800" kern="1200">
+                  <a:solidFill>
+                    <a:schemeClr val="tx1"/>
+                  </a:solidFill>
+                  <a:latin typeface="+mn-lt"/>
+                  <a:ea typeface="+mn-ea"/>
+                  <a:cs typeface="+mn-cs"/>
+                </a:defRPr>
+              </a:lvl9pPr>
+            </a:lstStyle>
+            <a:p>
+              <a:pPr algn="ctr"/>
+              <a:r>
+                <a:rPr lang="de-DE" sz="1050" dirty="0">
+                  <a:latin typeface="Segoe UI Light" panose="020B0502040204020203" pitchFamily="34" charset="0"/>
+                  <a:cs typeface="Segoe UI Light" panose="020B0502040204020203" pitchFamily="34" charset="0"/>
+                </a:rPr>
+                <a:t>5. Add </a:t>
+              </a:r>
+              <a:r>
+                <a:rPr lang="de-DE" sz="1050" dirty="0" err="1">
+                  <a:latin typeface="Segoe UI Light" panose="020B0502040204020203" pitchFamily="34" charset="0"/>
+                  <a:cs typeface="Segoe UI Light" panose="020B0502040204020203" pitchFamily="34" charset="0"/>
+                </a:rPr>
+                <a:t>corp</a:t>
+              </a:r>
+              <a:r>
+                <a:rPr lang="de-DE" sz="1050" dirty="0">
+                  <a:latin typeface="Segoe UI Light" panose="020B0502040204020203" pitchFamily="34" charset="0"/>
+                  <a:cs typeface="Segoe UI Light" panose="020B0502040204020203" pitchFamily="34" charset="0"/>
+                </a:rPr>
+                <a:t> JWT </a:t>
+              </a:r>
+              <a:r>
+                <a:rPr lang="de-DE" sz="1050" dirty="0" err="1">
+                  <a:latin typeface="Segoe UI Light" panose="020B0502040204020203" pitchFamily="34" charset="0"/>
+                  <a:cs typeface="Segoe UI Light" panose="020B0502040204020203" pitchFamily="34" charset="0"/>
+                </a:rPr>
+                <a:t>Bearer</a:t>
+              </a:r>
+              <a:r>
+                <a:rPr lang="de-DE" sz="1050" dirty="0">
+                  <a:latin typeface="Segoe UI Light" panose="020B0502040204020203" pitchFamily="34" charset="0"/>
+                  <a:cs typeface="Segoe UI Light" panose="020B0502040204020203" pitchFamily="34" charset="0"/>
+                </a:rPr>
+                <a:t> </a:t>
+              </a:r>
+              <a:r>
+                <a:rPr lang="de-DE" sz="1050" dirty="0" err="1">
+                  <a:latin typeface="Segoe UI Light" panose="020B0502040204020203" pitchFamily="34" charset="0"/>
+                  <a:cs typeface="Segoe UI Light" panose="020B0502040204020203" pitchFamily="34" charset="0"/>
+                </a:rPr>
+                <a:t>as</a:t>
+              </a:r>
+              <a:r>
+                <a:rPr lang="de-DE" sz="1050" dirty="0">
+                  <a:latin typeface="Segoe UI Light" panose="020B0502040204020203" pitchFamily="34" charset="0"/>
+                  <a:cs typeface="Segoe UI Light" panose="020B0502040204020203" pitchFamily="34" charset="0"/>
+                </a:rPr>
+                <a:t> </a:t>
+              </a:r>
+              <a:r>
+                <a:rPr lang="de-DE" sz="1050" dirty="0" err="1">
+                  <a:latin typeface="Segoe UI Light" panose="020B0502040204020203" pitchFamily="34" charset="0"/>
+                  <a:cs typeface="Segoe UI Light" panose="020B0502040204020203" pitchFamily="34" charset="0"/>
+                </a:rPr>
+                <a:t>header</a:t>
+              </a:r>
+              <a:r>
+                <a:rPr lang="de-DE" sz="1050" dirty="0">
+                  <a:latin typeface="Segoe UI Light" panose="020B0502040204020203" pitchFamily="34" charset="0"/>
+                  <a:cs typeface="Segoe UI Light" panose="020B0502040204020203" pitchFamily="34" charset="0"/>
+                </a:rPr>
+                <a:t> </a:t>
+              </a:r>
+              <a:r>
+                <a:rPr lang="de-DE" sz="1050" dirty="0" err="1">
+                  <a:latin typeface="Segoe UI Light" panose="020B0502040204020203" pitchFamily="34" charset="0"/>
+                  <a:cs typeface="Segoe UI Light" panose="020B0502040204020203" pitchFamily="34" charset="0"/>
+                </a:rPr>
+                <a:t>to</a:t>
+              </a:r>
+              <a:r>
+                <a:rPr lang="de-DE" sz="1050" dirty="0">
+                  <a:latin typeface="Segoe UI Light" panose="020B0502040204020203" pitchFamily="34" charset="0"/>
+                  <a:cs typeface="Segoe UI Light" panose="020B0502040204020203" pitchFamily="34" charset="0"/>
+                </a:rPr>
+                <a:t> </a:t>
+              </a:r>
+              <a:r>
+                <a:rPr lang="de-DE" sz="1050" dirty="0" err="1">
+                  <a:latin typeface="Segoe UI Light" panose="020B0502040204020203" pitchFamily="34" charset="0"/>
+                  <a:cs typeface="Segoe UI Light" panose="020B0502040204020203" pitchFamily="34" charset="0"/>
+                </a:rPr>
+                <a:t>call</a:t>
+              </a:r>
+              <a:endParaRPr lang="en-US" sz="1050" dirty="0">
+                <a:latin typeface="Segoe UI Light" panose="020B0502040204020203" pitchFamily="34" charset="0"/>
+                <a:cs typeface="Segoe UI Light" panose="020B0502040204020203" pitchFamily="34" charset="0"/>
+              </a:endParaRPr>
+            </a:p>
+          </p:txBody>
+        </p:sp>
+        <p:pic>
+          <p:nvPicPr>
+            <p:cNvPr id="83" name="Picture 82">
+              <a:extLst>
+                <a:ext uri="{FF2B5EF4-FFF2-40B4-BE49-F238E27FC236}">
+                  <a16:creationId xmlns:a16="http://schemas.microsoft.com/office/drawing/2014/main" id="{804D654F-306F-487C-B51E-16EEE80A9A3F}"/>
+                </a:ext>
+              </a:extLst>
+            </p:cNvPr>
+            <p:cNvPicPr>
+              <a:picLocks noChangeAspect="1"/>
+            </p:cNvPicPr>
+            <p:nvPr/>
+          </p:nvPicPr>
+          <p:blipFill>
+            <a:blip r:embed="rId7">
+              <a:duotone>
+                <a:schemeClr val="accent6">
+                  <a:shade val="45000"/>
+                  <a:satMod val="135000"/>
+                </a:schemeClr>
+                <a:prstClr val="white"/>
+              </a:duotone>
+              <a:extLst>
+                <a:ext uri="{28A0092B-C50C-407E-A947-70E740481C1C}">
+                  <a14:useLocalDpi xmlns:a14="http://schemas.microsoft.com/office/drawing/2010/main" val="0"/>
+                </a:ext>
+              </a:extLst>
+            </a:blip>
+            <a:stretch>
+              <a:fillRect/>
+            </a:stretch>
+          </p:blipFill>
+          <p:spPr>
+            <a:xfrm>
+              <a:off x="1096550" y="2028239"/>
+              <a:ext cx="780290" cy="780290"/>
+            </a:xfrm>
+            <a:prstGeom prst="rect">
+              <a:avLst/>
+            </a:prstGeom>
+          </p:spPr>
+        </p:pic>
+        <p:pic>
+          <p:nvPicPr>
+            <p:cNvPr id="87" name="Picture 86">
+              <a:extLst>
+                <a:ext uri="{FF2B5EF4-FFF2-40B4-BE49-F238E27FC236}">
+                  <a16:creationId xmlns:a16="http://schemas.microsoft.com/office/drawing/2014/main" id="{EE6D07C7-A59B-49D6-B16E-EB8B93631EB2}"/>
+                </a:ext>
+              </a:extLst>
+            </p:cNvPr>
+            <p:cNvPicPr>
+              <a:picLocks noChangeAspect="1"/>
+            </p:cNvPicPr>
+            <p:nvPr/>
+          </p:nvPicPr>
+          <p:blipFill>
+            <a:blip r:embed="rId8">
+              <a:extLst>
+                <a:ext uri="{28A0092B-C50C-407E-A947-70E740481C1C}">
+                  <a14:useLocalDpi xmlns:a14="http://schemas.microsoft.com/office/drawing/2010/main" val="0"/>
+                </a:ext>
+              </a:extLst>
+            </a:blip>
+            <a:stretch>
+              <a:fillRect/>
+            </a:stretch>
+          </p:blipFill>
+          <p:spPr>
+            <a:xfrm>
+              <a:off x="7536664" y="1626034"/>
+              <a:ext cx="465593" cy="465593"/>
+            </a:xfrm>
+            <a:prstGeom prst="rect">
+              <a:avLst/>
+            </a:prstGeom>
+          </p:spPr>
+        </p:pic>
+        <p:cxnSp>
+          <p:nvCxnSpPr>
+            <p:cNvPr id="88" name="Straight Arrow Connector 87">
+              <a:extLst>
+                <a:ext uri="{FF2B5EF4-FFF2-40B4-BE49-F238E27FC236}">
+                  <a16:creationId xmlns:a16="http://schemas.microsoft.com/office/drawing/2014/main" id="{55932D6B-8593-4294-8FB8-FD87F1002583}"/>
+                </a:ext>
+              </a:extLst>
+            </p:cNvPr>
+            <p:cNvCxnSpPr>
+              <a:cxnSpLocks/>
+            </p:cNvCxnSpPr>
+            <p:nvPr/>
+          </p:nvCxnSpPr>
+          <p:spPr>
+            <a:xfrm>
+              <a:off x="5966600" y="2343521"/>
+              <a:ext cx="1185965" cy="1476331"/>
+            </a:xfrm>
+            <a:prstGeom prst="straightConnector1">
+              <a:avLst/>
+            </a:prstGeom>
+            <a:ln w="38100">
+              <a:solidFill>
+                <a:schemeClr val="accent6"/>
+              </a:solidFill>
+              <a:headEnd type="none"/>
+              <a:tailEnd type="triangle"/>
+            </a:ln>
+          </p:spPr>
+          <p:style>
+            <a:lnRef idx="1">
+              <a:schemeClr val="accent1"/>
+            </a:lnRef>
+            <a:fillRef idx="0">
+              <a:schemeClr val="accent1"/>
+            </a:fillRef>
+            <a:effectRef idx="0">
+              <a:schemeClr val="accent1"/>
+            </a:effectRef>
+            <a:fontRef idx="minor">
+              <a:schemeClr val="tx1"/>
+            </a:fontRef>
+          </p:style>
+        </p:cxnSp>
+        <p:sp>
+          <p:nvSpPr>
+            <p:cNvPr id="91" name="TextBox 47">
+              <a:extLst>
+                <a:ext uri="{FF2B5EF4-FFF2-40B4-BE49-F238E27FC236}">
+                  <a16:creationId xmlns:a16="http://schemas.microsoft.com/office/drawing/2014/main" id="{7F05539C-858F-4365-B078-469AAE7404C8}"/>
+                </a:ext>
+              </a:extLst>
+            </p:cNvPr>
+            <p:cNvSpPr txBox="1"/>
+            <p:nvPr/>
+          </p:nvSpPr>
+          <p:spPr>
+            <a:xfrm>
+              <a:off x="6584531" y="2506154"/>
+              <a:ext cx="1714400" cy="577081"/>
+            </a:xfrm>
+            <a:prstGeom prst="rect">
+              <a:avLst/>
+            </a:prstGeom>
+            <a:noFill/>
+          </p:spPr>
+          <p:txBody>
+            <a:bodyPr wrap="square" rtlCol="0">
+              <a:spAutoFit/>
+            </a:bodyPr>
+            <a:lstStyle>
+              <a:defPPr>
+                <a:defRPr lang="en-US"/>
+              </a:defPPr>
+              <a:lvl1pPr marL="0" algn="l" defTabSz="457200" rtl="0" eaLnBrk="1" latinLnBrk="0" hangingPunct="1">
+                <a:defRPr sz="1800" kern="1200">
+                  <a:solidFill>
+                    <a:schemeClr val="tx1"/>
+                  </a:solidFill>
+                  <a:latin typeface="+mn-lt"/>
+                  <a:ea typeface="+mn-ea"/>
+                  <a:cs typeface="+mn-cs"/>
+                </a:defRPr>
+              </a:lvl1pPr>
+              <a:lvl2pPr marL="457200" algn="l" defTabSz="457200" rtl="0" eaLnBrk="1" latinLnBrk="0" hangingPunct="1">
+                <a:defRPr sz="1800" kern="1200">
+                  <a:solidFill>
+                    <a:schemeClr val="tx1"/>
+                  </a:solidFill>
+                  <a:latin typeface="+mn-lt"/>
+                  <a:ea typeface="+mn-ea"/>
+                  <a:cs typeface="+mn-cs"/>
+                </a:defRPr>
+              </a:lvl2pPr>
+              <a:lvl3pPr marL="914400" algn="l" defTabSz="457200" rtl="0" eaLnBrk="1" latinLnBrk="0" hangingPunct="1">
+                <a:defRPr sz="1800" kern="1200">
+                  <a:solidFill>
+                    <a:schemeClr val="tx1"/>
+                  </a:solidFill>
+                  <a:latin typeface="+mn-lt"/>
+                  <a:ea typeface="+mn-ea"/>
+                  <a:cs typeface="+mn-cs"/>
+                </a:defRPr>
+              </a:lvl3pPr>
+              <a:lvl4pPr marL="1371600" algn="l" defTabSz="457200" rtl="0" eaLnBrk="1" latinLnBrk="0" hangingPunct="1">
+                <a:defRPr sz="1800" kern="1200">
+                  <a:solidFill>
+                    <a:schemeClr val="tx1"/>
+                  </a:solidFill>
+                  <a:latin typeface="+mn-lt"/>
+                  <a:ea typeface="+mn-ea"/>
+                  <a:cs typeface="+mn-cs"/>
+                </a:defRPr>
+              </a:lvl4pPr>
+              <a:lvl5pPr marL="1828800" algn="l" defTabSz="457200" rtl="0" eaLnBrk="1" latinLnBrk="0" hangingPunct="1">
+                <a:defRPr sz="1800" kern="1200">
+                  <a:solidFill>
+                    <a:schemeClr val="tx1"/>
+                  </a:solidFill>
+                  <a:latin typeface="+mn-lt"/>
+                  <a:ea typeface="+mn-ea"/>
+                  <a:cs typeface="+mn-cs"/>
+                </a:defRPr>
+              </a:lvl5pPr>
+              <a:lvl6pPr marL="2286000" algn="l" defTabSz="457200" rtl="0" eaLnBrk="1" latinLnBrk="0" hangingPunct="1">
+                <a:defRPr sz="1800" kern="1200">
+                  <a:solidFill>
+                    <a:schemeClr val="tx1"/>
+                  </a:solidFill>
+                  <a:latin typeface="+mn-lt"/>
+                  <a:ea typeface="+mn-ea"/>
+                  <a:cs typeface="+mn-cs"/>
+                </a:defRPr>
+              </a:lvl6pPr>
+              <a:lvl7pPr marL="2743200" algn="l" defTabSz="457200" rtl="0" eaLnBrk="1" latinLnBrk="0" hangingPunct="1">
+                <a:defRPr sz="1800" kern="1200">
+                  <a:solidFill>
+                    <a:schemeClr val="tx1"/>
+                  </a:solidFill>
+                  <a:latin typeface="+mn-lt"/>
+                  <a:ea typeface="+mn-ea"/>
+                  <a:cs typeface="+mn-cs"/>
+                </a:defRPr>
+              </a:lvl7pPr>
+              <a:lvl8pPr marL="3200400" algn="l" defTabSz="457200" rtl="0" eaLnBrk="1" latinLnBrk="0" hangingPunct="1">
+                <a:defRPr sz="1800" kern="1200">
+                  <a:solidFill>
+                    <a:schemeClr val="tx1"/>
+                  </a:solidFill>
+                  <a:latin typeface="+mn-lt"/>
+                  <a:ea typeface="+mn-ea"/>
+                  <a:cs typeface="+mn-cs"/>
+                </a:defRPr>
+              </a:lvl8pPr>
+              <a:lvl9pPr marL="3657600" algn="l" defTabSz="457200" rtl="0" eaLnBrk="1" latinLnBrk="0" hangingPunct="1">
+                <a:defRPr sz="1800" kern="1200">
+                  <a:solidFill>
+                    <a:schemeClr val="tx1"/>
+                  </a:solidFill>
+                  <a:latin typeface="+mn-lt"/>
+                  <a:ea typeface="+mn-ea"/>
+                  <a:cs typeface="+mn-cs"/>
+                </a:defRPr>
+              </a:lvl9pPr>
+            </a:lstStyle>
+            <a:p>
+              <a:pPr algn="ctr"/>
+              <a:r>
+                <a:rPr lang="de-DE" sz="1050" dirty="0">
+                  <a:latin typeface="Segoe UI Light" panose="020B0502040204020203" pitchFamily="34" charset="0"/>
+                  <a:cs typeface="Segoe UI Light" panose="020B0502040204020203" pitchFamily="34" charset="0"/>
+                </a:rPr>
+                <a:t>6. Call </a:t>
+              </a:r>
+              <a:r>
+                <a:rPr lang="de-DE" sz="1050" dirty="0" err="1">
+                  <a:latin typeface="Segoe UI Light" panose="020B0502040204020203" pitchFamily="34" charset="0"/>
+                  <a:cs typeface="Segoe UI Light" panose="020B0502040204020203" pitchFamily="34" charset="0"/>
+                </a:rPr>
+                <a:t>passes</a:t>
+              </a:r>
+              <a:r>
+                <a:rPr lang="de-DE" sz="1050" dirty="0">
+                  <a:latin typeface="Segoe UI Light" panose="020B0502040204020203" pitchFamily="34" charset="0"/>
+                  <a:cs typeface="Segoe UI Light" panose="020B0502040204020203" pitchFamily="34" charset="0"/>
+                </a:rPr>
+                <a:t> </a:t>
+              </a:r>
+              <a:r>
+                <a:rPr lang="de-DE" sz="1050" dirty="0" err="1">
+                  <a:latin typeface="Segoe UI Light" panose="020B0502040204020203" pitchFamily="34" charset="0"/>
+                  <a:cs typeface="Segoe UI Light" panose="020B0502040204020203" pitchFamily="34" charset="0"/>
+                </a:rPr>
+                <a:t>through</a:t>
+              </a:r>
+              <a:r>
+                <a:rPr lang="de-DE" sz="1050" dirty="0">
+                  <a:latin typeface="Segoe UI Light" panose="020B0502040204020203" pitchFamily="34" charset="0"/>
+                  <a:cs typeface="Segoe UI Light" panose="020B0502040204020203" pitchFamily="34" charset="0"/>
+                </a:rPr>
+                <a:t> APIM and </a:t>
+              </a:r>
+              <a:r>
+                <a:rPr lang="de-DE" sz="1050" dirty="0" err="1">
+                  <a:latin typeface="Segoe UI Light" panose="020B0502040204020203" pitchFamily="34" charset="0"/>
+                  <a:cs typeface="Segoe UI Light" panose="020B0502040204020203" pitchFamily="34" charset="0"/>
+                </a:rPr>
+                <a:t>gets</a:t>
+              </a:r>
+              <a:r>
+                <a:rPr lang="de-DE" sz="1050" dirty="0">
+                  <a:latin typeface="Segoe UI Light" panose="020B0502040204020203" pitchFamily="34" charset="0"/>
+                  <a:cs typeface="Segoe UI Light" panose="020B0502040204020203" pitchFamily="34" charset="0"/>
+                </a:rPr>
+                <a:t> </a:t>
+              </a:r>
+              <a:r>
+                <a:rPr lang="de-DE" sz="1050" dirty="0" err="1">
+                  <a:latin typeface="Segoe UI Light" panose="020B0502040204020203" pitchFamily="34" charset="0"/>
+                  <a:cs typeface="Segoe UI Light" panose="020B0502040204020203" pitchFamily="34" charset="0"/>
+                </a:rPr>
+                <a:t>to</a:t>
+              </a:r>
+              <a:r>
+                <a:rPr lang="de-DE" sz="1050" dirty="0">
+                  <a:latin typeface="Segoe UI Light" panose="020B0502040204020203" pitchFamily="34" charset="0"/>
+                  <a:cs typeface="Segoe UI Light" panose="020B0502040204020203" pitchFamily="34" charset="0"/>
+                </a:rPr>
+                <a:t> </a:t>
+              </a:r>
+              <a:r>
+                <a:rPr lang="de-DE" sz="1050" dirty="0" err="1">
+                  <a:latin typeface="Segoe UI Light" panose="020B0502040204020203" pitchFamily="34" charset="0"/>
+                  <a:cs typeface="Segoe UI Light" panose="020B0502040204020203" pitchFamily="34" charset="0"/>
+                </a:rPr>
+                <a:t>Calc</a:t>
+              </a:r>
+              <a:r>
+                <a:rPr lang="de-DE" sz="1050" dirty="0">
+                  <a:latin typeface="Segoe UI Light" panose="020B0502040204020203" pitchFamily="34" charset="0"/>
+                  <a:cs typeface="Segoe UI Light" panose="020B0502040204020203" pitchFamily="34" charset="0"/>
+                </a:rPr>
+                <a:t> Backend </a:t>
+              </a:r>
+              <a:r>
+                <a:rPr lang="de-DE" sz="1050" dirty="0" err="1">
+                  <a:latin typeface="Segoe UI Light" panose="020B0502040204020203" pitchFamily="34" charset="0"/>
+                  <a:cs typeface="Segoe UI Light" panose="020B0502040204020203" pitchFamily="34" charset="0"/>
+                </a:rPr>
+                <a:t>with</a:t>
+              </a:r>
+              <a:r>
+                <a:rPr lang="de-DE" sz="1050" dirty="0">
+                  <a:latin typeface="Segoe UI Light" panose="020B0502040204020203" pitchFamily="34" charset="0"/>
+                  <a:cs typeface="Segoe UI Light" panose="020B0502040204020203" pitchFamily="34" charset="0"/>
+                </a:rPr>
+                <a:t> </a:t>
+              </a:r>
+              <a:r>
+                <a:rPr lang="de-DE" sz="1050" dirty="0" err="1">
+                  <a:latin typeface="Segoe UI Light" panose="020B0502040204020203" pitchFamily="34" charset="0"/>
+                  <a:cs typeface="Segoe UI Light" panose="020B0502040204020203" pitchFamily="34" charset="0"/>
+                </a:rPr>
+                <a:t>Corp</a:t>
+              </a:r>
+              <a:r>
+                <a:rPr lang="de-DE" sz="1050" dirty="0">
+                  <a:latin typeface="Segoe UI Light" panose="020B0502040204020203" pitchFamily="34" charset="0"/>
+                  <a:cs typeface="Segoe UI Light" panose="020B0502040204020203" pitchFamily="34" charset="0"/>
+                </a:rPr>
+                <a:t> </a:t>
+              </a:r>
+              <a:r>
+                <a:rPr lang="de-DE" sz="1050" dirty="0" err="1">
+                  <a:latin typeface="Segoe UI Light" panose="020B0502040204020203" pitchFamily="34" charset="0"/>
+                  <a:cs typeface="Segoe UI Light" panose="020B0502040204020203" pitchFamily="34" charset="0"/>
+                </a:rPr>
+                <a:t>token</a:t>
+              </a:r>
+              <a:endParaRPr lang="en-US" sz="1050" dirty="0">
+                <a:latin typeface="Segoe UI Light" panose="020B0502040204020203" pitchFamily="34" charset="0"/>
+                <a:cs typeface="Segoe UI Light" panose="020B0502040204020203" pitchFamily="34" charset="0"/>
+              </a:endParaRPr>
+            </a:p>
+          </p:txBody>
+        </p:sp>
+        <p:cxnSp>
+          <p:nvCxnSpPr>
+            <p:cNvPr id="92" name="Straight Arrow Connector 91">
+              <a:extLst>
+                <a:ext uri="{FF2B5EF4-FFF2-40B4-BE49-F238E27FC236}">
+                  <a16:creationId xmlns:a16="http://schemas.microsoft.com/office/drawing/2014/main" id="{45CEFE29-6199-47DA-9FD7-EF9FD9BFFD99}"/>
+                </a:ext>
+              </a:extLst>
+            </p:cNvPr>
+            <p:cNvCxnSpPr>
+              <a:cxnSpLocks/>
+            </p:cNvCxnSpPr>
+            <p:nvPr/>
+          </p:nvCxnSpPr>
+          <p:spPr>
+            <a:xfrm flipH="1" flipV="1">
+              <a:off x="5929584" y="2561541"/>
+              <a:ext cx="1023528" cy="1278808"/>
+            </a:xfrm>
+            <a:prstGeom prst="straightConnector1">
+              <a:avLst/>
+            </a:prstGeom>
+            <a:ln w="38100">
+              <a:solidFill>
+                <a:schemeClr val="accent6"/>
+              </a:solidFill>
+              <a:headEnd type="none"/>
+              <a:tailEnd type="triangle"/>
+            </a:ln>
+          </p:spPr>
+          <p:style>
+            <a:lnRef idx="1">
+              <a:schemeClr val="accent1"/>
+            </a:lnRef>
+            <a:fillRef idx="0">
+              <a:schemeClr val="accent1"/>
+            </a:fillRef>
+            <a:effectRef idx="0">
+              <a:schemeClr val="accent1"/>
+            </a:effectRef>
+            <a:fontRef idx="minor">
+              <a:schemeClr val="tx1"/>
+            </a:fontRef>
+          </p:style>
+        </p:cxnSp>
+        <p:cxnSp>
+          <p:nvCxnSpPr>
+            <p:cNvPr id="95" name="Straight Arrow Connector 94">
+              <a:extLst>
+                <a:ext uri="{FF2B5EF4-FFF2-40B4-BE49-F238E27FC236}">
+                  <a16:creationId xmlns:a16="http://schemas.microsoft.com/office/drawing/2014/main" id="{258315BC-9609-47EA-A85D-0C2F22CD612D}"/>
+                </a:ext>
+              </a:extLst>
+            </p:cNvPr>
+            <p:cNvCxnSpPr>
+              <a:cxnSpLocks/>
+            </p:cNvCxnSpPr>
+            <p:nvPr/>
+          </p:nvCxnSpPr>
+          <p:spPr>
+            <a:xfrm flipH="1" flipV="1">
+              <a:off x="2058444" y="2553916"/>
+              <a:ext cx="3908157" cy="32960"/>
+            </a:xfrm>
+            <a:prstGeom prst="straightConnector1">
+              <a:avLst/>
+            </a:prstGeom>
+            <a:ln w="38100">
+              <a:solidFill>
+                <a:schemeClr val="accent6"/>
+              </a:solidFill>
+              <a:headEnd type="none"/>
+              <a:tailEnd type="triangle"/>
+            </a:ln>
+          </p:spPr>
+          <p:style>
+            <a:lnRef idx="1">
+              <a:schemeClr val="accent1"/>
+            </a:lnRef>
+            <a:fillRef idx="0">
+              <a:schemeClr val="accent1"/>
+            </a:fillRef>
+            <a:effectRef idx="0">
+              <a:schemeClr val="accent1"/>
+            </a:effectRef>
+            <a:fontRef idx="minor">
+              <a:schemeClr val="tx1"/>
+            </a:fontRef>
+          </p:style>
+        </p:cxnSp>
+        <p:sp>
+          <p:nvSpPr>
+            <p:cNvPr id="97" name="TextBox 47">
+              <a:extLst>
+                <a:ext uri="{FF2B5EF4-FFF2-40B4-BE49-F238E27FC236}">
+                  <a16:creationId xmlns:a16="http://schemas.microsoft.com/office/drawing/2014/main" id="{2E62EA6A-701E-47E6-8D05-E754D89577E6}"/>
+                </a:ext>
+              </a:extLst>
+            </p:cNvPr>
+            <p:cNvSpPr txBox="1"/>
+            <p:nvPr/>
+          </p:nvSpPr>
+          <p:spPr>
+            <a:xfrm>
+              <a:off x="2085404" y="2602530"/>
+              <a:ext cx="1714400" cy="253916"/>
+            </a:xfrm>
+            <a:prstGeom prst="rect">
+              <a:avLst/>
+            </a:prstGeom>
+            <a:noFill/>
+          </p:spPr>
+          <p:txBody>
+            <a:bodyPr wrap="square" rtlCol="0">
+              <a:spAutoFit/>
+            </a:bodyPr>
+            <a:lstStyle>
+              <a:defPPr>
+                <a:defRPr lang="en-US"/>
+              </a:defPPr>
+              <a:lvl1pPr marL="0" algn="l" defTabSz="457200" rtl="0" eaLnBrk="1" latinLnBrk="0" hangingPunct="1">
+                <a:defRPr sz="1800" kern="1200">
+                  <a:solidFill>
+                    <a:schemeClr val="tx1"/>
+                  </a:solidFill>
+                  <a:latin typeface="+mn-lt"/>
+                  <a:ea typeface="+mn-ea"/>
+                  <a:cs typeface="+mn-cs"/>
+                </a:defRPr>
+              </a:lvl1pPr>
+              <a:lvl2pPr marL="457200" algn="l" defTabSz="457200" rtl="0" eaLnBrk="1" latinLnBrk="0" hangingPunct="1">
+                <a:defRPr sz="1800" kern="1200">
+                  <a:solidFill>
+                    <a:schemeClr val="tx1"/>
+                  </a:solidFill>
+                  <a:latin typeface="+mn-lt"/>
+                  <a:ea typeface="+mn-ea"/>
+                  <a:cs typeface="+mn-cs"/>
+                </a:defRPr>
+              </a:lvl2pPr>
+              <a:lvl3pPr marL="914400" algn="l" defTabSz="457200" rtl="0" eaLnBrk="1" latinLnBrk="0" hangingPunct="1">
+                <a:defRPr sz="1800" kern="1200">
+                  <a:solidFill>
+                    <a:schemeClr val="tx1"/>
+                  </a:solidFill>
+                  <a:latin typeface="+mn-lt"/>
+                  <a:ea typeface="+mn-ea"/>
+                  <a:cs typeface="+mn-cs"/>
+                </a:defRPr>
+              </a:lvl3pPr>
+              <a:lvl4pPr marL="1371600" algn="l" defTabSz="457200" rtl="0" eaLnBrk="1" latinLnBrk="0" hangingPunct="1">
+                <a:defRPr sz="1800" kern="1200">
+                  <a:solidFill>
+                    <a:schemeClr val="tx1"/>
+                  </a:solidFill>
+                  <a:latin typeface="+mn-lt"/>
+                  <a:ea typeface="+mn-ea"/>
+                  <a:cs typeface="+mn-cs"/>
+                </a:defRPr>
+              </a:lvl4pPr>
+              <a:lvl5pPr marL="1828800" algn="l" defTabSz="457200" rtl="0" eaLnBrk="1" latinLnBrk="0" hangingPunct="1">
+                <a:defRPr sz="1800" kern="1200">
+                  <a:solidFill>
+                    <a:schemeClr val="tx1"/>
+                  </a:solidFill>
+                  <a:latin typeface="+mn-lt"/>
+                  <a:ea typeface="+mn-ea"/>
+                  <a:cs typeface="+mn-cs"/>
+                </a:defRPr>
+              </a:lvl5pPr>
+              <a:lvl6pPr marL="2286000" algn="l" defTabSz="457200" rtl="0" eaLnBrk="1" latinLnBrk="0" hangingPunct="1">
+                <a:defRPr sz="1800" kern="1200">
+                  <a:solidFill>
+                    <a:schemeClr val="tx1"/>
+                  </a:solidFill>
+                  <a:latin typeface="+mn-lt"/>
+                  <a:ea typeface="+mn-ea"/>
+                  <a:cs typeface="+mn-cs"/>
+                </a:defRPr>
+              </a:lvl6pPr>
+              <a:lvl7pPr marL="2743200" algn="l" defTabSz="457200" rtl="0" eaLnBrk="1" latinLnBrk="0" hangingPunct="1">
+                <a:defRPr sz="1800" kern="1200">
+                  <a:solidFill>
+                    <a:schemeClr val="tx1"/>
+                  </a:solidFill>
+                  <a:latin typeface="+mn-lt"/>
+                  <a:ea typeface="+mn-ea"/>
+                  <a:cs typeface="+mn-cs"/>
+                </a:defRPr>
+              </a:lvl7pPr>
+              <a:lvl8pPr marL="3200400" algn="l" defTabSz="457200" rtl="0" eaLnBrk="1" latinLnBrk="0" hangingPunct="1">
+                <a:defRPr sz="1800" kern="1200">
+                  <a:solidFill>
+                    <a:schemeClr val="tx1"/>
+                  </a:solidFill>
+                  <a:latin typeface="+mn-lt"/>
+                  <a:ea typeface="+mn-ea"/>
+                  <a:cs typeface="+mn-cs"/>
+                </a:defRPr>
+              </a:lvl8pPr>
+              <a:lvl9pPr marL="3657600" algn="l" defTabSz="457200" rtl="0" eaLnBrk="1" latinLnBrk="0" hangingPunct="1">
+                <a:defRPr sz="1800" kern="1200">
+                  <a:solidFill>
+                    <a:schemeClr val="tx1"/>
+                  </a:solidFill>
+                  <a:latin typeface="+mn-lt"/>
+                  <a:ea typeface="+mn-ea"/>
+                  <a:cs typeface="+mn-cs"/>
+                </a:defRPr>
+              </a:lvl9pPr>
+            </a:lstStyle>
+            <a:p>
+              <a:pPr algn="ctr"/>
+              <a:r>
+                <a:rPr lang="en-US" sz="1050" dirty="0">
+                  <a:latin typeface="Segoe UI Light" panose="020B0502040204020203" pitchFamily="34" charset="0"/>
+                  <a:cs typeface="Segoe UI Light" panose="020B0502040204020203" pitchFamily="34" charset="0"/>
+                </a:rPr>
+                <a:t>7. App receives response</a:t>
               </a:r>
             </a:p>
           </p:txBody>
